--- a/ai_fashion.pptx
+++ b/ai_fashion.pptx
@@ -5,18 +5,17 @@
     <p:sldMasterId id="2147483648" r:id="rId1"/>
   </p:sldMasterIdLst>
   <p:sldIdLst>
-    <p:sldId id="256" r:id="rId2"/>
-    <p:sldId id="257" r:id="rId3"/>
-    <p:sldId id="258" r:id="rId4"/>
-    <p:sldId id="259" r:id="rId5"/>
-    <p:sldId id="271" r:id="rId6"/>
-    <p:sldId id="272" r:id="rId7"/>
-    <p:sldId id="260" r:id="rId8"/>
-    <p:sldId id="270" r:id="rId9"/>
-    <p:sldId id="273" r:id="rId10"/>
-    <p:sldId id="261" r:id="rId11"/>
-    <p:sldId id="263" r:id="rId12"/>
-    <p:sldId id="264" r:id="rId13"/>
+    <p:sldId id="256" r:id="rId3"/>
+    <p:sldId id="257" r:id="rId4"/>
+    <p:sldId id="258" r:id="rId5"/>
+    <p:sldId id="259" r:id="rId6"/>
+    <p:sldId id="271" r:id="rId7"/>
+    <p:sldId id="272" r:id="rId8"/>
+    <p:sldId id="260" r:id="rId9"/>
+    <p:sldId id="270" r:id="rId10"/>
+    <p:sldId id="273" r:id="rId11"/>
+    <p:sldId id="261" r:id="rId12"/>
+    <p:sldId id="263" r:id="rId13"/>
     <p:sldId id="267" r:id="rId14"/>
     <p:sldId id="274" r:id="rId15"/>
     <p:sldId id="268" r:id="rId16"/>
@@ -324,7 +323,6 @@
           <a:p>
             <a:fld id="{1D8BD707-D9CF-40AE-B4C6-C98DA3205C09}" type="datetimeFigureOut">
               <a:rPr lang="en-US" smtClean="0"/>
-              <a:t>1/31/2025</a:t>
             </a:fld>
             <a:endParaRPr lang="en-US"/>
           </a:p>
@@ -366,7 +364,6 @@
           <a:p>
             <a:fld id="{B6F15528-21DE-4FAA-801E-634DDDAF4B2B}" type="slidenum">
               <a:rPr lang="en-IN" smtClean="0"/>
-              <a:t>‹#›</a:t>
             </a:fld>
             <a:endParaRPr lang="en-IN"/>
           </a:p>
@@ -574,6 +571,7 @@
               <a:rPr lang="en-US"/>
               <a:t>Click to edit Master text styles</a:t>
             </a:r>
+            <a:endParaRPr lang="en-US"/>
           </a:p>
         </p:txBody>
       </p:sp>
@@ -594,7 +592,6 @@
           <a:p>
             <a:fld id="{1D8BD707-D9CF-40AE-B4C6-C98DA3205C09}" type="datetimeFigureOut">
               <a:rPr lang="en-US" smtClean="0"/>
-              <a:t>1/31/2025</a:t>
             </a:fld>
             <a:endParaRPr lang="en-US"/>
           </a:p>
@@ -636,7 +633,6 @@
           <a:p>
             <a:fld id="{B6F15528-21DE-4FAA-801E-634DDDAF4B2B}" type="slidenum">
               <a:rPr lang="en-IN" smtClean="0"/>
-              <a:t>‹#›</a:t>
             </a:fld>
             <a:endParaRPr lang="en-IN"/>
           </a:p>
@@ -763,6 +759,7 @@
               <a:rPr lang="en-US"/>
               <a:t>Click to edit Master text styles</a:t>
             </a:r>
+            <a:endParaRPr lang="en-US"/>
           </a:p>
         </p:txBody>
       </p:sp>
@@ -783,7 +780,6 @@
           <a:p>
             <a:fld id="{1D8BD707-D9CF-40AE-B4C6-C98DA3205C09}" type="datetimeFigureOut">
               <a:rPr lang="en-US" smtClean="0"/>
-              <a:t>1/31/2025</a:t>
             </a:fld>
             <a:endParaRPr lang="en-US"/>
           </a:p>
@@ -825,7 +821,6 @@
           <a:p>
             <a:fld id="{B6F15528-21DE-4FAA-801E-634DDDAF4B2B}" type="slidenum">
               <a:rPr lang="en-IN" smtClean="0"/>
-              <a:t>‹#›</a:t>
             </a:fld>
             <a:endParaRPr lang="en-IN"/>
           </a:p>
@@ -964,6 +959,7 @@
               <a:rPr lang="en-US"/>
               <a:t>Click to edit Master text styles</a:t>
             </a:r>
+            <a:endParaRPr lang="en-US"/>
           </a:p>
         </p:txBody>
       </p:sp>
@@ -1031,6 +1027,7 @@
               <a:rPr lang="en-US"/>
               <a:t>Click to edit Master text styles</a:t>
             </a:r>
+            <a:endParaRPr lang="en-US"/>
           </a:p>
         </p:txBody>
       </p:sp>
@@ -1051,7 +1048,6 @@
           <a:p>
             <a:fld id="{1D8BD707-D9CF-40AE-B4C6-C98DA3205C09}" type="datetimeFigureOut">
               <a:rPr lang="en-US" smtClean="0"/>
-              <a:t>1/31/2025</a:t>
             </a:fld>
             <a:endParaRPr lang="en-US"/>
           </a:p>
@@ -1093,7 +1089,6 @@
           <a:p>
             <a:fld id="{B6F15528-21DE-4FAA-801E-634DDDAF4B2B}" type="slidenum">
               <a:rPr lang="en-IN" smtClean="0"/>
-              <a:t>‹#›</a:t>
             </a:fld>
             <a:endParaRPr lang="en-IN"/>
           </a:p>
@@ -1143,6 +1138,7 @@
               <a:rPr lang="en-US" sz="14640" dirty="0"/>
               <a:t>“</a:t>
             </a:r>
+            <a:endParaRPr lang="en-US" sz="14640" dirty="0"/>
           </a:p>
         </p:txBody>
       </p:sp>
@@ -1190,6 +1186,7 @@
               <a:rPr lang="en-US" sz="14640" dirty="0"/>
               <a:t>”</a:t>
             </a:r>
+            <a:endParaRPr lang="en-US" sz="14640" dirty="0"/>
           </a:p>
         </p:txBody>
       </p:sp>
@@ -1367,6 +1364,7 @@
               <a:rPr lang="en-US"/>
               <a:t>Click to edit Master text styles</a:t>
             </a:r>
+            <a:endParaRPr lang="en-US"/>
           </a:p>
         </p:txBody>
       </p:sp>
@@ -1387,7 +1385,6 @@
           <a:p>
             <a:fld id="{1D8BD707-D9CF-40AE-B4C6-C98DA3205C09}" type="datetimeFigureOut">
               <a:rPr lang="en-US" smtClean="0"/>
-              <a:t>1/31/2025</a:t>
             </a:fld>
             <a:endParaRPr lang="en-US"/>
           </a:p>
@@ -1429,7 +1426,6 @@
           <a:p>
             <a:fld id="{B6F15528-21DE-4FAA-801E-634DDDAF4B2B}" type="slidenum">
               <a:rPr lang="en-IN" smtClean="0"/>
-              <a:t>‹#›</a:t>
             </a:fld>
             <a:endParaRPr lang="en-IN"/>
           </a:p>
@@ -1558,6 +1554,7 @@
               <a:rPr lang="en-US"/>
               <a:t>Click to edit Master text styles</a:t>
             </a:r>
+            <a:endParaRPr lang="en-US"/>
           </a:p>
         </p:txBody>
       </p:sp>
@@ -1625,6 +1622,7 @@
               <a:rPr lang="en-US"/>
               <a:t>Click to edit Master text styles</a:t>
             </a:r>
+            <a:endParaRPr lang="en-US"/>
           </a:p>
         </p:txBody>
       </p:sp>
@@ -1699,6 +1697,7 @@
               <a:rPr lang="en-US"/>
               <a:t>Click to edit Master text styles</a:t>
             </a:r>
+            <a:endParaRPr lang="en-US"/>
           </a:p>
         </p:txBody>
       </p:sp>
@@ -1766,6 +1765,7 @@
               <a:rPr lang="en-US"/>
               <a:t>Click to edit Master text styles</a:t>
             </a:r>
+            <a:endParaRPr lang="en-US"/>
           </a:p>
         </p:txBody>
       </p:sp>
@@ -1840,6 +1840,7 @@
               <a:rPr lang="en-US"/>
               <a:t>Click to edit Master text styles</a:t>
             </a:r>
+            <a:endParaRPr lang="en-US"/>
           </a:p>
         </p:txBody>
       </p:sp>
@@ -1907,6 +1908,7 @@
               <a:rPr lang="en-US"/>
               <a:t>Click to edit Master text styles</a:t>
             </a:r>
+            <a:endParaRPr lang="en-US"/>
           </a:p>
         </p:txBody>
       </p:sp>
@@ -2005,7 +2007,6 @@
           <a:p>
             <a:fld id="{1D8BD707-D9CF-40AE-B4C6-C98DA3205C09}" type="datetimeFigureOut">
               <a:rPr lang="en-US" smtClean="0"/>
-              <a:t>1/31/2025</a:t>
             </a:fld>
             <a:endParaRPr lang="en-US"/>
           </a:p>
@@ -2047,7 +2048,6 @@
           <a:p>
             <a:fld id="{B6F15528-21DE-4FAA-801E-634DDDAF4B2B}" type="slidenum">
               <a:rPr lang="en-IN" smtClean="0"/>
-              <a:t>‹#›</a:t>
             </a:fld>
             <a:endParaRPr lang="en-IN"/>
           </a:p>
@@ -2176,6 +2176,7 @@
               <a:rPr lang="en-US"/>
               <a:t>Click to edit Master text styles</a:t>
             </a:r>
+            <a:endParaRPr lang="en-US"/>
           </a:p>
         </p:txBody>
       </p:sp>
@@ -2322,6 +2323,7 @@
               <a:rPr lang="en-US"/>
               <a:t>Click to edit Master text styles</a:t>
             </a:r>
+            <a:endParaRPr lang="en-US"/>
           </a:p>
         </p:txBody>
       </p:sp>
@@ -2396,6 +2398,7 @@
               <a:rPr lang="en-US"/>
               <a:t>Click to edit Master text styles</a:t>
             </a:r>
+            <a:endParaRPr lang="en-US"/>
           </a:p>
         </p:txBody>
       </p:sp>
@@ -2542,6 +2545,7 @@
               <a:rPr lang="en-US"/>
               <a:t>Click to edit Master text styles</a:t>
             </a:r>
+            <a:endParaRPr lang="en-US"/>
           </a:p>
         </p:txBody>
       </p:sp>
@@ -2616,6 +2620,7 @@
               <a:rPr lang="en-US"/>
               <a:t>Click to edit Master text styles</a:t>
             </a:r>
+            <a:endParaRPr lang="en-US"/>
           </a:p>
         </p:txBody>
       </p:sp>
@@ -2762,6 +2767,7 @@
               <a:rPr lang="en-US"/>
               <a:t>Click to edit Master text styles</a:t>
             </a:r>
+            <a:endParaRPr lang="en-US"/>
           </a:p>
         </p:txBody>
       </p:sp>
@@ -2860,7 +2866,6 @@
           <a:p>
             <a:fld id="{1D8BD707-D9CF-40AE-B4C6-C98DA3205C09}" type="datetimeFigureOut">
               <a:rPr lang="en-US" smtClean="0"/>
-              <a:t>1/31/2025</a:t>
             </a:fld>
             <a:endParaRPr lang="en-US"/>
           </a:p>
@@ -2902,7 +2907,6 @@
           <a:p>
             <a:fld id="{B6F15528-21DE-4FAA-801E-634DDDAF4B2B}" type="slidenum">
               <a:rPr lang="en-IN" smtClean="0"/>
-              <a:t>‹#›</a:t>
             </a:fld>
             <a:endParaRPr lang="en-IN"/>
           </a:p>
@@ -2976,6 +2980,7 @@
               <a:rPr lang="en-US"/>
               <a:t>Click to edit Master text styles</a:t>
             </a:r>
+            <a:endParaRPr lang="en-US"/>
           </a:p>
           <a:p>
             <a:pPr lvl="1"/>
@@ -2983,6 +2988,7 @@
               <a:rPr lang="en-US"/>
               <a:t>Second level</a:t>
             </a:r>
+            <a:endParaRPr lang="en-US"/>
           </a:p>
           <a:p>
             <a:pPr lvl="2"/>
@@ -2990,6 +2996,7 @@
               <a:rPr lang="en-US"/>
               <a:t>Third level</a:t>
             </a:r>
+            <a:endParaRPr lang="en-US"/>
           </a:p>
           <a:p>
             <a:pPr lvl="3"/>
@@ -2997,6 +3004,7 @@
               <a:rPr lang="en-US"/>
               <a:t>Fourth level</a:t>
             </a:r>
+            <a:endParaRPr lang="en-US"/>
           </a:p>
           <a:p>
             <a:pPr lvl="4"/>
@@ -3025,7 +3033,6 @@
           <a:p>
             <a:fld id="{1D8BD707-D9CF-40AE-B4C6-C98DA3205C09}" type="datetimeFigureOut">
               <a:rPr lang="en-US" smtClean="0"/>
-              <a:t>1/31/2025</a:t>
             </a:fld>
             <a:endParaRPr lang="en-US"/>
           </a:p>
@@ -3067,7 +3074,6 @@
           <a:p>
             <a:fld id="{B6F15528-21DE-4FAA-801E-634DDDAF4B2B}" type="slidenum">
               <a:rPr lang="en-IN" smtClean="0"/>
-              <a:t>‹#›</a:t>
             </a:fld>
             <a:endParaRPr lang="en-IN"/>
           </a:p>
@@ -3151,6 +3157,7 @@
               <a:rPr lang="en-US"/>
               <a:t>Click to edit Master text styles</a:t>
             </a:r>
+            <a:endParaRPr lang="en-US"/>
           </a:p>
           <a:p>
             <a:pPr lvl="1"/>
@@ -3158,6 +3165,7 @@
               <a:rPr lang="en-US"/>
               <a:t>Second level</a:t>
             </a:r>
+            <a:endParaRPr lang="en-US"/>
           </a:p>
           <a:p>
             <a:pPr lvl="2"/>
@@ -3165,6 +3173,7 @@
               <a:rPr lang="en-US"/>
               <a:t>Third level</a:t>
             </a:r>
+            <a:endParaRPr lang="en-US"/>
           </a:p>
           <a:p>
             <a:pPr lvl="3"/>
@@ -3172,6 +3181,7 @@
               <a:rPr lang="en-US"/>
               <a:t>Fourth level</a:t>
             </a:r>
+            <a:endParaRPr lang="en-US"/>
           </a:p>
           <a:p>
             <a:pPr lvl="4"/>
@@ -3200,7 +3210,6 @@
           <a:p>
             <a:fld id="{1D8BD707-D9CF-40AE-B4C6-C98DA3205C09}" type="datetimeFigureOut">
               <a:rPr lang="en-US" smtClean="0"/>
-              <a:t>1/31/2025</a:t>
             </a:fld>
             <a:endParaRPr lang="en-US"/>
           </a:p>
@@ -3242,7 +3251,6 @@
           <a:p>
             <a:fld id="{B6F15528-21DE-4FAA-801E-634DDDAF4B2B}" type="slidenum">
               <a:rPr lang="en-IN" smtClean="0"/>
-              <a:t>‹#›</a:t>
             </a:fld>
             <a:endParaRPr lang="en-IN"/>
           </a:p>
@@ -3316,6 +3324,7 @@
               <a:rPr lang="en-US"/>
               <a:t>Click to edit Master text styles</a:t>
             </a:r>
+            <a:endParaRPr lang="en-US"/>
           </a:p>
           <a:p>
             <a:pPr lvl="1"/>
@@ -3323,6 +3332,7 @@
               <a:rPr lang="en-US"/>
               <a:t>Second level</a:t>
             </a:r>
+            <a:endParaRPr lang="en-US"/>
           </a:p>
           <a:p>
             <a:pPr lvl="2"/>
@@ -3330,6 +3340,7 @@
               <a:rPr lang="en-US"/>
               <a:t>Third level</a:t>
             </a:r>
+            <a:endParaRPr lang="en-US"/>
           </a:p>
           <a:p>
             <a:pPr lvl="3"/>
@@ -3337,6 +3348,7 @@
               <a:rPr lang="en-US"/>
               <a:t>Fourth level</a:t>
             </a:r>
+            <a:endParaRPr lang="en-US"/>
           </a:p>
           <a:p>
             <a:pPr lvl="4"/>
@@ -3365,7 +3377,6 @@
           <a:p>
             <a:fld id="{1D8BD707-D9CF-40AE-B4C6-C98DA3205C09}" type="datetimeFigureOut">
               <a:rPr lang="en-US" smtClean="0"/>
-              <a:t>1/31/2025</a:t>
             </a:fld>
             <a:endParaRPr lang="en-US"/>
           </a:p>
@@ -3407,7 +3418,6 @@
           <a:p>
             <a:fld id="{B6F15528-21DE-4FAA-801E-634DDDAF4B2B}" type="slidenum">
               <a:rPr lang="en-IN" smtClean="0"/>
-              <a:t>‹#›</a:t>
             </a:fld>
             <a:endParaRPr lang="en-IN"/>
           </a:p>
@@ -3587,6 +3597,7 @@
               <a:rPr lang="en-US"/>
               <a:t>Click to edit Master text styles</a:t>
             </a:r>
+            <a:endParaRPr lang="en-US"/>
           </a:p>
         </p:txBody>
       </p:sp>
@@ -3607,7 +3618,6 @@
           <a:p>
             <a:fld id="{1D8BD707-D9CF-40AE-B4C6-C98DA3205C09}" type="datetimeFigureOut">
               <a:rPr lang="en-US" smtClean="0"/>
-              <a:t>1/31/2025</a:t>
             </a:fld>
             <a:endParaRPr lang="en-US"/>
           </a:p>
@@ -3649,7 +3659,6 @@
           <a:p>
             <a:fld id="{B6F15528-21DE-4FAA-801E-634DDDAF4B2B}" type="slidenum">
               <a:rPr lang="en-IN" smtClean="0"/>
-              <a:t>‹#›</a:t>
             </a:fld>
             <a:endParaRPr lang="en-IN"/>
           </a:p>
@@ -3758,6 +3767,7 @@
               <a:rPr lang="en-US"/>
               <a:t>Click to edit Master text styles</a:t>
             </a:r>
+            <a:endParaRPr lang="en-US"/>
           </a:p>
           <a:p>
             <a:pPr lvl="1"/>
@@ -3765,6 +3775,7 @@
               <a:rPr lang="en-US"/>
               <a:t>Second level</a:t>
             </a:r>
+            <a:endParaRPr lang="en-US"/>
           </a:p>
           <a:p>
             <a:pPr lvl="2"/>
@@ -3772,6 +3783,7 @@
               <a:rPr lang="en-US"/>
               <a:t>Third level</a:t>
             </a:r>
+            <a:endParaRPr lang="en-US"/>
           </a:p>
           <a:p>
             <a:pPr lvl="3"/>
@@ -3779,6 +3791,7 @@
               <a:rPr lang="en-US"/>
               <a:t>Fourth level</a:t>
             </a:r>
+            <a:endParaRPr lang="en-US"/>
           </a:p>
           <a:p>
             <a:pPr lvl="4"/>
@@ -3845,6 +3858,7 @@
               <a:rPr lang="en-US"/>
               <a:t>Click to edit Master text styles</a:t>
             </a:r>
+            <a:endParaRPr lang="en-US"/>
           </a:p>
           <a:p>
             <a:pPr lvl="1"/>
@@ -3852,6 +3866,7 @@
               <a:rPr lang="en-US"/>
               <a:t>Second level</a:t>
             </a:r>
+            <a:endParaRPr lang="en-US"/>
           </a:p>
           <a:p>
             <a:pPr lvl="2"/>
@@ -3859,6 +3874,7 @@
               <a:rPr lang="en-US"/>
               <a:t>Third level</a:t>
             </a:r>
+            <a:endParaRPr lang="en-US"/>
           </a:p>
           <a:p>
             <a:pPr lvl="3"/>
@@ -3866,6 +3882,7 @@
               <a:rPr lang="en-US"/>
               <a:t>Fourth level</a:t>
             </a:r>
+            <a:endParaRPr lang="en-US"/>
           </a:p>
           <a:p>
             <a:pPr lvl="4"/>
@@ -3894,7 +3911,6 @@
           <a:p>
             <a:fld id="{1D8BD707-D9CF-40AE-B4C6-C98DA3205C09}" type="datetimeFigureOut">
               <a:rPr lang="en-US" smtClean="0"/>
-              <a:t>1/31/2025</a:t>
             </a:fld>
             <a:endParaRPr lang="en-US"/>
           </a:p>
@@ -3936,7 +3952,6 @@
           <a:p>
             <a:fld id="{B6F15528-21DE-4FAA-801E-634DDDAF4B2B}" type="slidenum">
               <a:rPr lang="en-IN" smtClean="0"/>
-              <a:t>‹#›</a:t>
             </a:fld>
             <a:endParaRPr lang="en-IN"/>
           </a:p>
@@ -4065,6 +4080,7 @@
               <a:rPr lang="en-US"/>
               <a:t>Click to edit Master text styles</a:t>
             </a:r>
+            <a:endParaRPr lang="en-US"/>
           </a:p>
         </p:txBody>
       </p:sp>
@@ -4123,6 +4139,7 @@
               <a:rPr lang="en-US"/>
               <a:t>Click to edit Master text styles</a:t>
             </a:r>
+            <a:endParaRPr lang="en-US"/>
           </a:p>
           <a:p>
             <a:pPr lvl="1"/>
@@ -4130,6 +4147,7 @@
               <a:rPr lang="en-US"/>
               <a:t>Second level</a:t>
             </a:r>
+            <a:endParaRPr lang="en-US"/>
           </a:p>
           <a:p>
             <a:pPr lvl="2"/>
@@ -4137,6 +4155,7 @@
               <a:rPr lang="en-US"/>
               <a:t>Third level</a:t>
             </a:r>
+            <a:endParaRPr lang="en-US"/>
           </a:p>
           <a:p>
             <a:pPr lvl="3"/>
@@ -4144,6 +4163,7 @@
               <a:rPr lang="en-US"/>
               <a:t>Fourth level</a:t>
             </a:r>
+            <a:endParaRPr lang="en-US"/>
           </a:p>
           <a:p>
             <a:pPr lvl="4"/>
@@ -4226,6 +4246,7 @@
               <a:rPr lang="en-US"/>
               <a:t>Click to edit Master text styles</a:t>
             </a:r>
+            <a:endParaRPr lang="en-US"/>
           </a:p>
         </p:txBody>
       </p:sp>
@@ -4284,6 +4305,7 @@
               <a:rPr lang="en-US"/>
               <a:t>Click to edit Master text styles</a:t>
             </a:r>
+            <a:endParaRPr lang="en-US"/>
           </a:p>
           <a:p>
             <a:pPr lvl="1"/>
@@ -4291,6 +4313,7 @@
               <a:rPr lang="en-US"/>
               <a:t>Second level</a:t>
             </a:r>
+            <a:endParaRPr lang="en-US"/>
           </a:p>
           <a:p>
             <a:pPr lvl="2"/>
@@ -4298,6 +4321,7 @@
               <a:rPr lang="en-US"/>
               <a:t>Third level</a:t>
             </a:r>
+            <a:endParaRPr lang="en-US"/>
           </a:p>
           <a:p>
             <a:pPr lvl="3"/>
@@ -4305,6 +4329,7 @@
               <a:rPr lang="en-US"/>
               <a:t>Fourth level</a:t>
             </a:r>
+            <a:endParaRPr lang="en-US"/>
           </a:p>
           <a:p>
             <a:pPr lvl="4"/>
@@ -4333,7 +4358,6 @@
           <a:p>
             <a:fld id="{1D8BD707-D9CF-40AE-B4C6-C98DA3205C09}" type="datetimeFigureOut">
               <a:rPr lang="en-US" smtClean="0"/>
-              <a:t>1/31/2025</a:t>
             </a:fld>
             <a:endParaRPr lang="en-US"/>
           </a:p>
@@ -4375,7 +4399,6 @@
           <a:p>
             <a:fld id="{B6F15528-21DE-4FAA-801E-634DDDAF4B2B}" type="slidenum">
               <a:rPr lang="en-IN" smtClean="0"/>
-              <a:t>‹#›</a:t>
             </a:fld>
             <a:endParaRPr lang="en-IN"/>
           </a:p>
@@ -4446,7 +4469,6 @@
           <a:p>
             <a:fld id="{1D8BD707-D9CF-40AE-B4C6-C98DA3205C09}" type="datetimeFigureOut">
               <a:rPr lang="en-US" smtClean="0"/>
-              <a:t>1/31/2025</a:t>
             </a:fld>
             <a:endParaRPr lang="en-US"/>
           </a:p>
@@ -4488,7 +4510,6 @@
           <a:p>
             <a:fld id="{B6F15528-21DE-4FAA-801E-634DDDAF4B2B}" type="slidenum">
               <a:rPr lang="en-IN" smtClean="0"/>
-              <a:t>‹#›</a:t>
             </a:fld>
             <a:endParaRPr lang="en-IN"/>
           </a:p>
@@ -4536,7 +4557,6 @@
           <a:p>
             <a:fld id="{1D8BD707-D9CF-40AE-B4C6-C98DA3205C09}" type="datetimeFigureOut">
               <a:rPr lang="en-US" smtClean="0"/>
-              <a:t>1/31/2025</a:t>
             </a:fld>
             <a:endParaRPr lang="en-US"/>
           </a:p>
@@ -4578,7 +4598,6 @@
           <a:p>
             <a:fld id="{B6F15528-21DE-4FAA-801E-634DDDAF4B2B}" type="slidenum">
               <a:rPr lang="en-IN" smtClean="0"/>
-              <a:t>‹#›</a:t>
             </a:fld>
             <a:endParaRPr lang="en-IN"/>
           </a:p>
@@ -4696,6 +4715,7 @@
               <a:rPr lang="en-US"/>
               <a:t>Click to edit Master text styles</a:t>
             </a:r>
+            <a:endParaRPr lang="en-US"/>
           </a:p>
           <a:p>
             <a:pPr lvl="1"/>
@@ -4703,6 +4723,7 @@
               <a:rPr lang="en-US"/>
               <a:t>Second level</a:t>
             </a:r>
+            <a:endParaRPr lang="en-US"/>
           </a:p>
           <a:p>
             <a:pPr lvl="2"/>
@@ -4710,6 +4731,7 @@
               <a:rPr lang="en-US"/>
               <a:t>Third level</a:t>
             </a:r>
+            <a:endParaRPr lang="en-US"/>
           </a:p>
           <a:p>
             <a:pPr lvl="3"/>
@@ -4717,6 +4739,7 @@
               <a:rPr lang="en-US"/>
               <a:t>Fourth level</a:t>
             </a:r>
+            <a:endParaRPr lang="en-US"/>
           </a:p>
           <a:p>
             <a:pPr lvl="4"/>
@@ -4790,6 +4813,7 @@
               <a:rPr lang="en-US"/>
               <a:t>Click to edit Master text styles</a:t>
             </a:r>
+            <a:endParaRPr lang="en-US"/>
           </a:p>
         </p:txBody>
       </p:sp>
@@ -4810,7 +4834,6 @@
           <a:p>
             <a:fld id="{1D8BD707-D9CF-40AE-B4C6-C98DA3205C09}" type="datetimeFigureOut">
               <a:rPr lang="en-US" smtClean="0"/>
-              <a:t>1/31/2025</a:t>
             </a:fld>
             <a:endParaRPr lang="en-US"/>
           </a:p>
@@ -4852,7 +4875,6 @@
           <a:p>
             <a:fld id="{B6F15528-21DE-4FAA-801E-634DDDAF4B2B}" type="slidenum">
               <a:rPr lang="en-IN" smtClean="0"/>
-              <a:t>‹#›</a:t>
             </a:fld>
             <a:endParaRPr lang="en-IN"/>
           </a:p>
@@ -5060,6 +5082,7 @@
               <a:rPr lang="en-US"/>
               <a:t>Click to edit Master text styles</a:t>
             </a:r>
+            <a:endParaRPr lang="en-US"/>
           </a:p>
         </p:txBody>
       </p:sp>
@@ -5080,7 +5103,6 @@
           <a:p>
             <a:fld id="{1D8BD707-D9CF-40AE-B4C6-C98DA3205C09}" type="datetimeFigureOut">
               <a:rPr lang="en-US" smtClean="0"/>
-              <a:t>1/31/2025</a:t>
             </a:fld>
             <a:endParaRPr lang="en-US"/>
           </a:p>
@@ -5122,7 +5144,6 @@
           <a:p>
             <a:fld id="{B6F15528-21DE-4FAA-801E-634DDDAF4B2B}" type="slidenum">
               <a:rPr lang="en-IN" smtClean="0"/>
-              <a:t>‹#›</a:t>
             </a:fld>
             <a:endParaRPr lang="en-IN"/>
           </a:p>
@@ -5167,7 +5188,7 @@
           <p:nvPr/>
         </p:nvPicPr>
         <p:blipFill rotWithShape="1">
-          <a:blip r:embed="rId19">
+          <a:blip r:embed="rId18">
             <a:extLst>
               <a:ext uri="{28A0092B-C50C-407E-A947-70E740481C1C}">
                 <a14:useLocalDpi xmlns:a14="http://schemas.microsoft.com/office/drawing/2010/main" val="0"/>
@@ -5198,7 +5219,7 @@
           <p:nvPr/>
         </p:nvPicPr>
         <p:blipFill rotWithShape="1">
-          <a:blip r:embed="rId20">
+          <a:blip r:embed="rId19">
             <a:extLst>
               <a:ext uri="{28A0092B-C50C-407E-A947-70E740481C1C}">
                 <a14:useLocalDpi xmlns:a14="http://schemas.microsoft.com/office/drawing/2010/main" val="0"/>
@@ -5292,7 +5313,7 @@
           <p:nvPr/>
         </p:nvPicPr>
         <p:blipFill rotWithShape="1">
-          <a:blip r:embed="rId21">
+          <a:blip r:embed="rId20">
             <a:extLst>
               <a:ext uri="{28A0092B-C50C-407E-A947-70E740481C1C}">
                 <a14:useLocalDpi xmlns:a14="http://schemas.microsoft.com/office/drawing/2010/main" val="0"/>
@@ -5323,7 +5344,7 @@
           <p:nvPr/>
         </p:nvPicPr>
         <p:blipFill rotWithShape="1">
-          <a:blip r:embed="rId22">
+          <a:blip r:embed="rId21">
             <a:extLst>
               <a:ext uri="{28A0092B-C50C-407E-A947-70E740481C1C}">
                 <a14:useLocalDpi xmlns:a14="http://schemas.microsoft.com/office/drawing/2010/main" val="0"/>
@@ -5444,6 +5465,7 @@
               <a:rPr lang="en-US"/>
               <a:t>Click to edit Master text styles</a:t>
             </a:r>
+            <a:endParaRPr lang="en-US"/>
           </a:p>
           <a:p>
             <a:pPr lvl="1"/>
@@ -5451,6 +5473,7 @@
               <a:rPr lang="en-US"/>
               <a:t>Second level</a:t>
             </a:r>
+            <a:endParaRPr lang="en-US"/>
           </a:p>
           <a:p>
             <a:pPr lvl="2"/>
@@ -5458,6 +5481,7 @@
               <a:rPr lang="en-US"/>
               <a:t>Third level</a:t>
             </a:r>
+            <a:endParaRPr lang="en-US"/>
           </a:p>
           <a:p>
             <a:pPr lvl="3"/>
@@ -5465,6 +5489,7 @@
               <a:rPr lang="en-US"/>
               <a:t>Fourth level</a:t>
             </a:r>
+            <a:endParaRPr lang="en-US"/>
           </a:p>
           <a:p>
             <a:pPr lvl="4"/>
@@ -5512,7 +5537,6 @@
           <a:p>
             <a:fld id="{1D8BD707-D9CF-40AE-B4C6-C98DA3205C09}" type="datetimeFigureOut">
               <a:rPr lang="en-US" smtClean="0"/>
-              <a:t>1/31/2025</a:t>
             </a:fld>
             <a:endParaRPr lang="en-US"/>
           </a:p>
@@ -5591,7 +5615,6 @@
           <a:p>
             <a:fld id="{B6F15528-21DE-4FAA-801E-634DDDAF4B2B}" type="slidenum">
               <a:rPr lang="en-IN" smtClean="0"/>
-              <a:t>‹#›</a:t>
             </a:fld>
             <a:endParaRPr lang="en-IN"/>
           </a:p>
@@ -6304,6 +6327,10 @@
               </a:rPr>
               <a:t>by, </a:t>
             </a:r>
+            <a:endParaRPr sz="2400" b="1" spc="-25" dirty="0">
+              <a:latin typeface="Times New Roman" panose="02020603050405020304"/>
+              <a:cs typeface="Times New Roman" panose="02020603050405020304"/>
+            </a:endParaRPr>
           </a:p>
           <a:p>
             <a:pPr marL="541020" marR="1608455" indent="-457200">
@@ -6335,6 +6362,10 @@
               </a:rPr>
               <a:t>B</a:t>
             </a:r>
+            <a:endParaRPr sz="2400" b="1" spc="-50" dirty="0">
+              <a:latin typeface="Times New Roman" panose="02020603050405020304"/>
+              <a:cs typeface="Times New Roman" panose="02020603050405020304"/>
+            </a:endParaRPr>
           </a:p>
           <a:p>
             <a:pPr marL="541020" marR="1608455" indent="-457200">
@@ -6631,6 +6662,10 @@
               </a:rPr>
               <a:t>Module</a:t>
             </a:r>
+            <a:endParaRPr sz="3200" spc="-10" dirty="0">
+              <a:latin typeface="Times New Roman" panose="02020603050405020304" pitchFamily="18" charset="0"/>
+              <a:cs typeface="Times New Roman" panose="02020603050405020304" pitchFamily="18" charset="0"/>
+            </a:endParaRPr>
           </a:p>
         </p:txBody>
       </p:sp>
@@ -6859,9 +6894,7 @@
         <p:txBody>
           <a:bodyPr wrap="square" lIns="0" tIns="0" rIns="0" bIns="0" rtlCol="0"/>
           <a:lstStyle/>
-          <a:p>
-            <a:endParaRPr/>
-          </a:p>
+          <a:p/>
         </p:txBody>
       </p:sp>
       <p:sp>
@@ -6873,7 +6906,7 @@
         <p:spPr>
           <a:xfrm>
             <a:off x="444500" y="1552575"/>
-            <a:ext cx="13119099" cy="7324441"/>
+            <a:ext cx="13119099" cy="6294755"/>
           </a:xfrm>
           <a:prstGeom prst="rect">
             <a:avLst/>
@@ -7213,21 +7246,20 @@
               </a:rPr>
               <a:t>Module</a:t>
             </a:r>
-            <a:endParaRPr lang="en-IN" sz="2800" dirty="0">
+            <a:endParaRPr lang="en-IN" sz="2800" b="1" spc="-10" dirty="0">
               <a:latin typeface="SimSun" panose="02010600030101010101" pitchFamily="2" charset="-122"/>
               <a:cs typeface="SimSun" panose="02010600030101010101" pitchFamily="2" charset="-122"/>
             </a:endParaRPr>
           </a:p>
           <a:p>
-            <a:pPr>
+            <a:pPr marL="12700">
               <a:lnSpc>
                 <a:spcPct val="100000"/>
               </a:lnSpc>
-              <a:spcBef>
-                <a:spcPts val="2455"/>
-              </a:spcBef>
-              <a:buFont typeface="SimSun" panose="02010600030101010101" pitchFamily="2" charset="-122"/>
-              <a:buAutoNum type="arabicPeriod" startAt="4"/>
+              <a:tabLst>
+                <a:tab pos="548005" algn="l"/>
+                <a:tab pos="3771900" algn="l"/>
+              </a:tabLst>
             </a:pPr>
             <a:endParaRPr lang="en-IN" sz="2800" dirty="0">
               <a:latin typeface="SimSun" panose="02010600030101010101" pitchFamily="2" charset="-122"/>
@@ -7386,21 +7418,22 @@
               </a:rPr>
               <a:t>pattern).</a:t>
             </a:r>
-            <a:endParaRPr lang="en-IN" sz="2800" dirty="0">
+            <a:endParaRPr lang="en-IN" sz="2800" spc="-10" dirty="0">
               <a:latin typeface="Times New Roman" panose="02020603050405020304"/>
               <a:cs typeface="Times New Roman" panose="02020603050405020304"/>
             </a:endParaRPr>
           </a:p>
           <a:p>
-            <a:pPr lvl="1">
+            <a:pPr marL="241300" lvl="1" indent="0">
               <a:lnSpc>
                 <a:spcPct val="100000"/>
               </a:lnSpc>
-              <a:spcBef>
-                <a:spcPts val="2660"/>
-              </a:spcBef>
+              <a:buSzPct val="36000"/>
               <a:buFont typeface="Symbol" panose="05050102010706020507"/>
-              <a:buChar char=""/>
+              <a:buNone/>
+              <a:tabLst>
+                <a:tab pos="469265" algn="l"/>
+              </a:tabLst>
             </a:pPr>
             <a:endParaRPr lang="en-IN" sz="2800" dirty="0">
               <a:latin typeface="Times New Roman" panose="02020603050405020304"/>
@@ -7524,21 +7557,22 @@
               </a:rPr>
               <a:t>model.</a:t>
             </a:r>
-            <a:endParaRPr lang="en-IN" sz="2800" dirty="0">
+            <a:endParaRPr lang="en-IN" sz="2800" spc="-10" dirty="0">
               <a:latin typeface="Times New Roman" panose="02020603050405020304"/>
               <a:cs typeface="Times New Roman" panose="02020603050405020304"/>
             </a:endParaRPr>
           </a:p>
           <a:p>
-            <a:pPr lvl="1">
+            <a:pPr marL="241300" lvl="1" indent="0">
               <a:lnSpc>
                 <a:spcPct val="100000"/>
               </a:lnSpc>
-              <a:spcBef>
-                <a:spcPts val="2885"/>
-              </a:spcBef>
+              <a:buSzPct val="36000"/>
               <a:buFont typeface="Symbol" panose="05050102010706020507"/>
-              <a:buChar char=""/>
+              <a:buNone/>
+              <a:tabLst>
+                <a:tab pos="469265" algn="l"/>
+              </a:tabLst>
             </a:pPr>
             <a:endParaRPr lang="en-IN" sz="2800" dirty="0">
               <a:latin typeface="Times New Roman" panose="02020603050405020304"/>
@@ -8023,9 +8057,7 @@
         <p:txBody>
           <a:bodyPr wrap="square" lIns="0" tIns="0" rIns="0" bIns="0" rtlCol="0"/>
           <a:lstStyle/>
-          <a:p>
-            <a:endParaRPr/>
-          </a:p>
+          <a:p/>
         </p:txBody>
       </p:sp>
       <p:sp>
@@ -8253,9 +8285,7 @@
         <p:txBody>
           <a:bodyPr wrap="square" lIns="0" tIns="0" rIns="0" bIns="0" rtlCol="0"/>
           <a:lstStyle/>
-          <a:p>
-            <a:endParaRPr/>
-          </a:p>
+          <a:p/>
         </p:txBody>
       </p:sp>
       <p:sp>
@@ -8821,345 +8851,77 @@
       <p:sp>
         <p:nvSpPr>
           <p:cNvPr id="2" name="object 2"/>
-          <p:cNvSpPr/>
-          <p:nvPr/>
+          <p:cNvSpPr txBox="1">
+            <a:spLocks noGrp="1"/>
+          </p:cNvSpPr>
+          <p:nvPr>
+            <p:ph type="title"/>
+          </p:nvPr>
         </p:nvSpPr>
         <p:spPr>
           <a:xfrm>
-            <a:off x="452437" y="3901757"/>
-            <a:ext cx="13496925" cy="28575"/>
-          </a:xfrm>
-          <a:custGeom>
-            <a:avLst/>
-            <a:gdLst/>
-            <a:ahLst/>
-            <a:cxnLst/>
-            <a:rect l="l" t="t" r="r" b="b"/>
-            <a:pathLst>
-              <a:path w="13496925" h="28575">
-                <a:moveTo>
-                  <a:pt x="13492162" y="28575"/>
-                </a:moveTo>
-                <a:lnTo>
-                  <a:pt x="4762" y="28575"/>
-                </a:lnTo>
-                <a:lnTo>
-                  <a:pt x="3289" y="28346"/>
-                </a:lnTo>
-                <a:lnTo>
-                  <a:pt x="1968" y="27660"/>
-                </a:lnTo>
-                <a:lnTo>
-                  <a:pt x="914" y="26606"/>
-                </a:lnTo>
-                <a:lnTo>
-                  <a:pt x="228" y="25285"/>
-                </a:lnTo>
-                <a:lnTo>
-                  <a:pt x="0" y="23812"/>
-                </a:lnTo>
-                <a:lnTo>
-                  <a:pt x="0" y="4762"/>
-                </a:lnTo>
-                <a:lnTo>
-                  <a:pt x="4762" y="0"/>
-                </a:lnTo>
-                <a:lnTo>
-                  <a:pt x="13492162" y="0"/>
-                </a:lnTo>
-                <a:lnTo>
-                  <a:pt x="13496925" y="4762"/>
-                </a:lnTo>
-                <a:lnTo>
-                  <a:pt x="9525" y="4762"/>
-                </a:lnTo>
-                <a:lnTo>
-                  <a:pt x="4762" y="9525"/>
-                </a:lnTo>
-                <a:lnTo>
-                  <a:pt x="9525" y="9525"/>
-                </a:lnTo>
-                <a:lnTo>
-                  <a:pt x="9525" y="19050"/>
-                </a:lnTo>
-                <a:lnTo>
-                  <a:pt x="4762" y="19050"/>
-                </a:lnTo>
-                <a:lnTo>
-                  <a:pt x="9525" y="23812"/>
-                </a:lnTo>
-                <a:lnTo>
-                  <a:pt x="13496925" y="23812"/>
-                </a:lnTo>
-                <a:lnTo>
-                  <a:pt x="13496696" y="25285"/>
-                </a:lnTo>
-                <a:lnTo>
-                  <a:pt x="13496010" y="26606"/>
-                </a:lnTo>
-                <a:lnTo>
-                  <a:pt x="13494956" y="27660"/>
-                </a:lnTo>
-                <a:lnTo>
-                  <a:pt x="13493635" y="28346"/>
-                </a:lnTo>
-                <a:lnTo>
-                  <a:pt x="13492162" y="28575"/>
-                </a:lnTo>
-                <a:close/>
-              </a:path>
-              <a:path w="13496925" h="28575">
-                <a:moveTo>
-                  <a:pt x="9525" y="9525"/>
-                </a:moveTo>
-                <a:lnTo>
-                  <a:pt x="4762" y="9525"/>
-                </a:lnTo>
-                <a:lnTo>
-                  <a:pt x="9525" y="4762"/>
-                </a:lnTo>
-                <a:lnTo>
-                  <a:pt x="9525" y="9525"/>
-                </a:lnTo>
-                <a:close/>
-              </a:path>
-              <a:path w="13496925" h="28575">
-                <a:moveTo>
-                  <a:pt x="13487400" y="9525"/>
-                </a:moveTo>
-                <a:lnTo>
-                  <a:pt x="9525" y="9525"/>
-                </a:lnTo>
-                <a:lnTo>
-                  <a:pt x="9525" y="4762"/>
-                </a:lnTo>
-                <a:lnTo>
-                  <a:pt x="13487400" y="4762"/>
-                </a:lnTo>
-                <a:lnTo>
-                  <a:pt x="13487400" y="9525"/>
-                </a:lnTo>
-                <a:close/>
-              </a:path>
-              <a:path w="13496925" h="28575">
-                <a:moveTo>
-                  <a:pt x="13487400" y="23812"/>
-                </a:moveTo>
-                <a:lnTo>
-                  <a:pt x="13487400" y="4762"/>
-                </a:lnTo>
-                <a:lnTo>
-                  <a:pt x="13492162" y="9525"/>
-                </a:lnTo>
-                <a:lnTo>
-                  <a:pt x="13496925" y="9525"/>
-                </a:lnTo>
-                <a:lnTo>
-                  <a:pt x="13496925" y="19050"/>
-                </a:lnTo>
-                <a:lnTo>
-                  <a:pt x="13492162" y="19050"/>
-                </a:lnTo>
-                <a:lnTo>
-                  <a:pt x="13487400" y="23812"/>
-                </a:lnTo>
-                <a:close/>
-              </a:path>
-              <a:path w="13496925" h="28575">
-                <a:moveTo>
-                  <a:pt x="13496925" y="9525"/>
-                </a:moveTo>
-                <a:lnTo>
-                  <a:pt x="13492162" y="9525"/>
-                </a:lnTo>
-                <a:lnTo>
-                  <a:pt x="13487400" y="4762"/>
-                </a:lnTo>
-                <a:lnTo>
-                  <a:pt x="13496925" y="4762"/>
-                </a:lnTo>
-                <a:lnTo>
-                  <a:pt x="13496925" y="9525"/>
-                </a:lnTo>
-                <a:close/>
-              </a:path>
-              <a:path w="13496925" h="28575">
-                <a:moveTo>
-                  <a:pt x="9525" y="23812"/>
-                </a:moveTo>
-                <a:lnTo>
-                  <a:pt x="4762" y="19050"/>
-                </a:lnTo>
-                <a:lnTo>
-                  <a:pt x="9525" y="19050"/>
-                </a:lnTo>
-                <a:lnTo>
-                  <a:pt x="9525" y="23812"/>
-                </a:lnTo>
-                <a:close/>
-              </a:path>
-              <a:path w="13496925" h="28575">
-                <a:moveTo>
-                  <a:pt x="13487400" y="23812"/>
-                </a:moveTo>
-                <a:lnTo>
-                  <a:pt x="9525" y="23812"/>
-                </a:lnTo>
-                <a:lnTo>
-                  <a:pt x="9525" y="19050"/>
-                </a:lnTo>
-                <a:lnTo>
-                  <a:pt x="13487400" y="19050"/>
-                </a:lnTo>
-                <a:lnTo>
-                  <a:pt x="13487400" y="23812"/>
-                </a:lnTo>
-                <a:close/>
-              </a:path>
-              <a:path w="13496925" h="28575">
-                <a:moveTo>
-                  <a:pt x="13496925" y="23812"/>
-                </a:moveTo>
-                <a:lnTo>
-                  <a:pt x="13487400" y="23812"/>
-                </a:lnTo>
-                <a:lnTo>
-                  <a:pt x="13492162" y="19050"/>
-                </a:lnTo>
-                <a:lnTo>
-                  <a:pt x="13496925" y="19050"/>
-                </a:lnTo>
-                <a:lnTo>
-                  <a:pt x="13496925" y="23812"/>
-                </a:lnTo>
-                <a:close/>
-              </a:path>
-            </a:pathLst>
-          </a:custGeom>
-          <a:solidFill>
-            <a:srgbClr val="D0D0D0"/>
-          </a:solidFill>
-        </p:spPr>
-        <p:txBody>
-          <a:bodyPr wrap="square" lIns="0" tIns="0" rIns="0" bIns="0" rtlCol="0"/>
-          <a:lstStyle/>
-          <a:p>
-            <a:endParaRPr/>
-          </a:p>
-        </p:txBody>
-      </p:sp>
-      <p:sp>
-        <p:nvSpPr>
-          <p:cNvPr id="3" name="object 3"/>
-          <p:cNvSpPr txBox="1"/>
-          <p:nvPr/>
-        </p:nvSpPr>
-        <p:spPr>
-          <a:xfrm>
-            <a:off x="444500" y="548893"/>
-            <a:ext cx="10180320" cy="3913251"/>
+            <a:off x="741680" y="1863839"/>
+            <a:ext cx="2782570" cy="697230"/>
           </a:xfrm>
           <a:prstGeom prst="rect">
             <a:avLst/>
           </a:prstGeom>
         </p:spPr>
         <p:txBody>
-          <a:bodyPr vert="horz" wrap="square" lIns="0" tIns="12065" rIns="0" bIns="0" rtlCol="0">
+          <a:bodyPr vert="horz" wrap="square" lIns="0" tIns="13335" rIns="0" bIns="0" rtlCol="0">
             <a:spAutoFit/>
           </a:bodyPr>
           <a:lstStyle/>
           <a:p>
-            <a:pPr>
+            <a:pPr marL="12700">
               <a:lnSpc>
                 <a:spcPct val="100000"/>
               </a:lnSpc>
               <a:spcBef>
-                <a:spcPts val="2865"/>
+                <a:spcPts val="105"/>
               </a:spcBef>
             </a:pPr>
-            <a:endParaRPr sz="2800" dirty="0">
-              <a:latin typeface="Times New Roman" panose="02020603050405020304"/>
-              <a:cs typeface="Times New Roman" panose="02020603050405020304"/>
-            </a:endParaRPr>
-          </a:p>
-          <a:p>
-            <a:pPr marL="12700">
-              <a:lnSpc>
-                <a:spcPct val="100000"/>
-              </a:lnSpc>
-              <a:tabLst>
-                <a:tab pos="548005" algn="l"/>
-                <a:tab pos="2160905" algn="l"/>
-                <a:tab pos="4846320" algn="l"/>
-              </a:tabLst>
-            </a:pPr>
-            <a:r>
-              <a:rPr lang="en-IN" sz="2800" b="1" spc="-10" dirty="0">
-                <a:latin typeface="SimSun" panose="02010600030101010101" pitchFamily="2" charset="-122"/>
-                <a:cs typeface="SimSun" panose="02010600030101010101" pitchFamily="2" charset="-122"/>
-              </a:rPr>
-              <a:t>4. </a:t>
-            </a:r>
-            <a:r>
-              <a:rPr sz="2800" b="1" spc="-10" dirty="0">
-                <a:latin typeface="SimSun" panose="02010600030101010101" pitchFamily="2" charset="-122"/>
-                <a:cs typeface="SimSun" panose="02010600030101010101" pitchFamily="2" charset="-122"/>
-              </a:rPr>
-              <a:t>Feedback</a:t>
-            </a:r>
-            <a:r>
-              <a:rPr sz="2800" b="1" dirty="0">
-                <a:latin typeface="SimSun" panose="02010600030101010101" pitchFamily="2" charset="-122"/>
-                <a:cs typeface="SimSun" panose="02010600030101010101" pitchFamily="2" charset="-122"/>
-              </a:rPr>
-              <a:t>	and</a:t>
-            </a:r>
-            <a:r>
-              <a:rPr sz="2800" b="1" spc="-60" dirty="0">
-                <a:latin typeface="SimSun" panose="02010600030101010101" pitchFamily="2" charset="-122"/>
-                <a:cs typeface="SimSun" panose="02010600030101010101" pitchFamily="2" charset="-122"/>
-              </a:rPr>
-              <a:t> </a:t>
-            </a:r>
-            <a:r>
-              <a:rPr sz="2800" b="1" spc="-10" dirty="0">
-                <a:latin typeface="SimSun" panose="02010600030101010101" pitchFamily="2" charset="-122"/>
-                <a:cs typeface="SimSun" panose="02010600030101010101" pitchFamily="2" charset="-122"/>
-              </a:rPr>
-              <a:t>Refinement</a:t>
-            </a:r>
-            <a:r>
-              <a:rPr sz="2800" b="1" dirty="0">
-                <a:latin typeface="SimSun" panose="02010600030101010101" pitchFamily="2" charset="-122"/>
-                <a:cs typeface="SimSun" panose="02010600030101010101" pitchFamily="2" charset="-122"/>
-              </a:rPr>
-              <a:t>	</a:t>
-            </a:r>
-            <a:r>
-              <a:rPr sz="2800" b="1" spc="-10" dirty="0">
-                <a:latin typeface="SimSun" panose="02010600030101010101" pitchFamily="2" charset="-122"/>
-                <a:cs typeface="SimSun" panose="02010600030101010101" pitchFamily="2" charset="-122"/>
-              </a:rPr>
-              <a:t>Module</a:t>
-            </a:r>
-            <a:endParaRPr sz="2800" dirty="0">
-              <a:latin typeface="SimSun" panose="02010600030101010101" pitchFamily="2" charset="-122"/>
-              <a:cs typeface="SimSun" panose="02010600030101010101" pitchFamily="2" charset="-122"/>
-            </a:endParaRPr>
-          </a:p>
-          <a:p>
-            <a:pPr marL="469265" lvl="1" indent="-227965">
+            <a:r>
+              <a:rPr spc="-10" dirty="0"/>
+              <a:t>BENEFITS</a:t>
+            </a:r>
+            <a:endParaRPr spc="-10" dirty="0"/>
+          </a:p>
+        </p:txBody>
+      </p:sp>
+      <p:sp>
+        <p:nvSpPr>
+          <p:cNvPr id="4" name="object 4"/>
+          <p:cNvSpPr txBox="1"/>
+          <p:nvPr/>
+        </p:nvSpPr>
+        <p:spPr>
+          <a:xfrm>
+            <a:off x="604519" y="2988056"/>
+            <a:ext cx="10503535" cy="3293110"/>
+          </a:xfrm>
+          <a:prstGeom prst="rect">
+            <a:avLst/>
+          </a:prstGeom>
+        </p:spPr>
+        <p:txBody>
+          <a:bodyPr vert="horz" wrap="square" lIns="0" tIns="259715" rIns="0" bIns="0" rtlCol="0">
+            <a:spAutoFit/>
+          </a:bodyPr>
+          <a:lstStyle/>
+          <a:p>
+            <a:pPr marL="255270" indent="-242570">
               <a:lnSpc>
                 <a:spcPct val="100000"/>
               </a:lnSpc>
               <a:spcBef>
-                <a:spcPts val="1475"/>
+                <a:spcPts val="2045"/>
               </a:spcBef>
-              <a:buSzPct val="36000"/>
-              <a:buFont typeface="Symbol" panose="05050102010706020507"/>
-              <a:buChar char=""/>
+              <a:buSzPct val="114000"/>
+              <a:buFont typeface="Arial" panose="020B0604020202020204"/>
+              <a:buChar char="•"/>
               <a:tabLst>
-                <a:tab pos="469265" algn="l"/>
+                <a:tab pos="255270" algn="l"/>
               </a:tabLst>
             </a:pPr>
             <a:r>
@@ -9167,108 +8929,38 @@
                 <a:latin typeface="Times New Roman" panose="02020603050405020304"/>
                 <a:cs typeface="Times New Roman" panose="02020603050405020304"/>
               </a:rPr>
-              <a:t>Include</a:t>
-            </a:r>
-            <a:r>
-              <a:rPr sz="2800" spc="-40" dirty="0">
-                <a:latin typeface="Times New Roman" panose="02020603050405020304"/>
-                <a:cs typeface="Times New Roman" panose="02020603050405020304"/>
-              </a:rPr>
-              <a:t> </a:t>
-            </a:r>
-            <a:r>
-              <a:rPr sz="2800" dirty="0">
-                <a:latin typeface="Times New Roman" panose="02020603050405020304"/>
-                <a:cs typeface="Times New Roman" panose="02020603050405020304"/>
-              </a:rPr>
-              <a:t>a</a:t>
-            </a:r>
-            <a:r>
-              <a:rPr sz="2800" spc="-30" dirty="0">
-                <a:latin typeface="Times New Roman" panose="02020603050405020304"/>
-                <a:cs typeface="Times New Roman" panose="02020603050405020304"/>
-              </a:rPr>
-              <a:t> </a:t>
-            </a:r>
-            <a:r>
-              <a:rPr sz="2800" dirty="0">
-                <a:latin typeface="Times New Roman" panose="02020603050405020304"/>
-                <a:cs typeface="Times New Roman" panose="02020603050405020304"/>
-              </a:rPr>
-              <a:t>feedback</a:t>
-            </a:r>
-            <a:r>
-              <a:rPr sz="2800" spc="-20" dirty="0">
-                <a:latin typeface="Times New Roman" panose="02020603050405020304"/>
-                <a:cs typeface="Times New Roman" panose="02020603050405020304"/>
-              </a:rPr>
-              <a:t> </a:t>
-            </a:r>
-            <a:r>
-              <a:rPr sz="2800" dirty="0">
-                <a:latin typeface="Times New Roman" panose="02020603050405020304"/>
-                <a:cs typeface="Times New Roman" panose="02020603050405020304"/>
-              </a:rPr>
-              <a:t>loop</a:t>
-            </a:r>
-            <a:r>
-              <a:rPr sz="2800" spc="-35" dirty="0">
-                <a:latin typeface="Times New Roman" panose="02020603050405020304"/>
-                <a:cs typeface="Times New Roman" panose="02020603050405020304"/>
-              </a:rPr>
-              <a:t> </a:t>
-            </a:r>
-            <a:r>
-              <a:rPr sz="2800" dirty="0">
-                <a:latin typeface="Times New Roman" panose="02020603050405020304"/>
-                <a:cs typeface="Times New Roman" panose="02020603050405020304"/>
-              </a:rPr>
-              <a:t>for</a:t>
-            </a:r>
-            <a:r>
-              <a:rPr sz="2800" spc="-45" dirty="0">
-                <a:latin typeface="Times New Roman" panose="02020603050405020304"/>
-                <a:cs typeface="Times New Roman" panose="02020603050405020304"/>
-              </a:rPr>
-              <a:t> </a:t>
-            </a:r>
-            <a:r>
-              <a:rPr sz="2800" dirty="0">
-                <a:latin typeface="Times New Roman" panose="02020603050405020304"/>
-                <a:cs typeface="Times New Roman" panose="02020603050405020304"/>
-              </a:rPr>
-              <a:t>designers</a:t>
-            </a:r>
-            <a:r>
-              <a:rPr sz="2800" spc="-25" dirty="0">
-                <a:latin typeface="Times New Roman" panose="02020603050405020304"/>
-                <a:cs typeface="Times New Roman" panose="02020603050405020304"/>
-              </a:rPr>
-              <a:t> </a:t>
-            </a:r>
-            <a:r>
-              <a:rPr sz="2800" dirty="0">
-                <a:latin typeface="Times New Roman" panose="02020603050405020304"/>
-                <a:cs typeface="Times New Roman" panose="02020603050405020304"/>
-              </a:rPr>
-              <a:t>to</a:t>
-            </a:r>
-            <a:r>
-              <a:rPr sz="2800" spc="-30" dirty="0">
-                <a:latin typeface="Times New Roman" panose="02020603050405020304"/>
-                <a:cs typeface="Times New Roman" panose="02020603050405020304"/>
-              </a:rPr>
-              <a:t> </a:t>
-            </a:r>
-            <a:r>
-              <a:rPr sz="2800" dirty="0">
-                <a:latin typeface="Times New Roman" panose="02020603050405020304"/>
-                <a:cs typeface="Times New Roman" panose="02020603050405020304"/>
-              </a:rPr>
-              <a:t>refine</a:t>
-            </a:r>
-            <a:r>
-              <a:rPr sz="2800" spc="-40" dirty="0">
+              <a:t>Automates</a:t>
+            </a:r>
+            <a:r>
+              <a:rPr sz="2800" spc="-75" dirty="0">
+                <a:latin typeface="Times New Roman" panose="02020603050405020304"/>
+                <a:cs typeface="Times New Roman" panose="02020603050405020304"/>
+              </a:rPr>
+              <a:t> </a:t>
+            </a:r>
+            <a:r>
+              <a:rPr sz="2800" dirty="0">
+                <a:latin typeface="Times New Roman" panose="02020603050405020304"/>
+                <a:cs typeface="Times New Roman" panose="02020603050405020304"/>
+              </a:rPr>
+              <a:t>repetitive</a:t>
+            </a:r>
+            <a:r>
+              <a:rPr sz="2800" spc="-70" dirty="0">
+                <a:latin typeface="Times New Roman" panose="02020603050405020304"/>
+                <a:cs typeface="Times New Roman" panose="02020603050405020304"/>
+              </a:rPr>
+              <a:t> </a:t>
+            </a:r>
+            <a:r>
+              <a:rPr sz="2800" dirty="0">
+                <a:latin typeface="Times New Roman" panose="02020603050405020304"/>
+                <a:cs typeface="Times New Roman" panose="02020603050405020304"/>
+              </a:rPr>
+              <a:t>and</a:t>
+            </a:r>
+            <a:r>
+              <a:rPr sz="2800" spc="-60" dirty="0">
                 <a:latin typeface="Times New Roman" panose="02020603050405020304"/>
                 <a:cs typeface="Times New Roman" panose="02020603050405020304"/>
               </a:rPr>
@@ -9279,42 +8971,191 @@
                 <a:latin typeface="Times New Roman" panose="02020603050405020304"/>
                 <a:cs typeface="Times New Roman" panose="02020603050405020304"/>
               </a:rPr>
-              <a:t>outputs.</a:t>
-            </a:r>
-            <a:endParaRPr sz="2800" dirty="0">
+              <a:t>time-</a:t>
+            </a:r>
+            <a:r>
+              <a:rPr sz="2800" dirty="0">
+                <a:latin typeface="Times New Roman" panose="02020603050405020304"/>
+                <a:cs typeface="Times New Roman" panose="02020603050405020304"/>
+              </a:rPr>
+              <a:t>consuming</a:t>
+            </a:r>
+            <a:r>
+              <a:rPr sz="2800" spc="-75" dirty="0">
+                <a:latin typeface="Times New Roman" panose="02020603050405020304"/>
+                <a:cs typeface="Times New Roman" panose="02020603050405020304"/>
+              </a:rPr>
+              <a:t> </a:t>
+            </a:r>
+            <a:r>
+              <a:rPr sz="2800" dirty="0">
+                <a:latin typeface="Times New Roman" panose="02020603050405020304"/>
+                <a:cs typeface="Times New Roman" panose="02020603050405020304"/>
+              </a:rPr>
+              <a:t>fashion</a:t>
+            </a:r>
+            <a:r>
+              <a:rPr sz="2800" spc="-70" dirty="0">
+                <a:latin typeface="Times New Roman" panose="02020603050405020304"/>
+                <a:cs typeface="Times New Roman" panose="02020603050405020304"/>
+              </a:rPr>
+              <a:t> </a:t>
+            </a:r>
+            <a:r>
+              <a:rPr sz="2800" dirty="0">
+                <a:latin typeface="Times New Roman" panose="02020603050405020304"/>
+                <a:cs typeface="Times New Roman" panose="02020603050405020304"/>
+              </a:rPr>
+              <a:t>design</a:t>
+            </a:r>
+            <a:r>
+              <a:rPr sz="2800" spc="-60" dirty="0">
+                <a:latin typeface="Times New Roman" panose="02020603050405020304"/>
+                <a:cs typeface="Times New Roman" panose="02020603050405020304"/>
+              </a:rPr>
+              <a:t> </a:t>
+            </a:r>
+            <a:r>
+              <a:rPr sz="2800" spc="-10" dirty="0">
+                <a:latin typeface="Times New Roman" panose="02020603050405020304"/>
+                <a:cs typeface="Times New Roman" panose="02020603050405020304"/>
+              </a:rPr>
+              <a:t>tasks.</a:t>
+            </a:r>
+            <a:endParaRPr sz="2800">
               <a:latin typeface="Times New Roman" panose="02020603050405020304"/>
               <a:cs typeface="Times New Roman" panose="02020603050405020304"/>
             </a:endParaRPr>
           </a:p>
           <a:p>
-            <a:pPr lvl="1">
+            <a:pPr marL="241300" indent="-210820">
               <a:lnSpc>
                 <a:spcPct val="100000"/>
               </a:lnSpc>
               <a:spcBef>
-                <a:spcPts val="2660"/>
+                <a:spcPts val="1940"/>
               </a:spcBef>
-              <a:buFont typeface="Symbol" panose="05050102010706020507"/>
-              <a:buChar char=""/>
+              <a:buFont typeface="Arial" panose="020B0604020202020204"/>
+              <a:buChar char="•"/>
+              <a:tabLst>
+                <a:tab pos="241300" algn="l"/>
+              </a:tabLst>
             </a:pPr>
-            <a:endParaRPr sz="2800" dirty="0">
+            <a:r>
+              <a:rPr sz="2800" dirty="0">
+                <a:latin typeface="Times New Roman" panose="02020603050405020304"/>
+                <a:cs typeface="Times New Roman" panose="02020603050405020304"/>
+              </a:rPr>
+              <a:t>Enhances</a:t>
+            </a:r>
+            <a:r>
+              <a:rPr sz="2800" spc="-55" dirty="0">
+                <a:latin typeface="Times New Roman" panose="02020603050405020304"/>
+                <a:cs typeface="Times New Roman" panose="02020603050405020304"/>
+              </a:rPr>
+              <a:t> </a:t>
+            </a:r>
+            <a:r>
+              <a:rPr sz="2800" dirty="0">
+                <a:latin typeface="Times New Roman" panose="02020603050405020304"/>
+                <a:cs typeface="Times New Roman" panose="02020603050405020304"/>
+              </a:rPr>
+              <a:t>creativity</a:t>
+            </a:r>
+            <a:r>
+              <a:rPr sz="2800" spc="-25" dirty="0">
+                <a:latin typeface="Times New Roman" panose="02020603050405020304"/>
+                <a:cs typeface="Times New Roman" panose="02020603050405020304"/>
+              </a:rPr>
+              <a:t> </a:t>
+            </a:r>
+            <a:r>
+              <a:rPr sz="2800" dirty="0">
+                <a:latin typeface="Times New Roman" panose="02020603050405020304"/>
+                <a:cs typeface="Times New Roman" panose="02020603050405020304"/>
+              </a:rPr>
+              <a:t>by</a:t>
+            </a:r>
+            <a:r>
+              <a:rPr sz="2800" spc="-15" dirty="0">
+                <a:latin typeface="Times New Roman" panose="02020603050405020304"/>
+                <a:cs typeface="Times New Roman" panose="02020603050405020304"/>
+              </a:rPr>
+              <a:t> </a:t>
+            </a:r>
+            <a:r>
+              <a:rPr sz="2800" spc="-20" dirty="0">
+                <a:latin typeface="Times New Roman" panose="02020603050405020304"/>
+                <a:cs typeface="Times New Roman" panose="02020603050405020304"/>
+              </a:rPr>
+              <a:t>providing</a:t>
+            </a:r>
+            <a:r>
+              <a:rPr sz="2800" spc="-170" dirty="0">
+                <a:latin typeface="Times New Roman" panose="02020603050405020304"/>
+                <a:cs typeface="Times New Roman" panose="02020603050405020304"/>
+              </a:rPr>
+              <a:t> </a:t>
+            </a:r>
+            <a:r>
+              <a:rPr sz="2800" spc="-20" dirty="0">
+                <a:latin typeface="Times New Roman" panose="02020603050405020304"/>
+                <a:cs typeface="Times New Roman" panose="02020603050405020304"/>
+              </a:rPr>
+              <a:t>AI-</a:t>
+            </a:r>
+            <a:r>
+              <a:rPr sz="2800" dirty="0">
+                <a:latin typeface="Times New Roman" panose="02020603050405020304"/>
+                <a:cs typeface="Times New Roman" panose="02020603050405020304"/>
+              </a:rPr>
+              <a:t>generated</a:t>
+            </a:r>
+            <a:r>
+              <a:rPr sz="2800" spc="-15" dirty="0">
+                <a:latin typeface="Times New Roman" panose="02020603050405020304"/>
+                <a:cs typeface="Times New Roman" panose="02020603050405020304"/>
+              </a:rPr>
+              <a:t> </a:t>
+            </a:r>
+            <a:r>
+              <a:rPr sz="2800" dirty="0">
+                <a:latin typeface="Times New Roman" panose="02020603050405020304"/>
+                <a:cs typeface="Times New Roman" panose="02020603050405020304"/>
+              </a:rPr>
+              <a:t>design</a:t>
+            </a:r>
+            <a:r>
+              <a:rPr sz="2800" spc="-20" dirty="0">
+                <a:latin typeface="Times New Roman" panose="02020603050405020304"/>
+                <a:cs typeface="Times New Roman" panose="02020603050405020304"/>
+              </a:rPr>
+              <a:t> </a:t>
+            </a:r>
+            <a:r>
+              <a:rPr sz="2800" spc="-10" dirty="0">
+                <a:latin typeface="Times New Roman" panose="02020603050405020304"/>
+                <a:cs typeface="Times New Roman" panose="02020603050405020304"/>
+              </a:rPr>
+              <a:t>suggestions.</a:t>
+            </a:r>
+            <a:endParaRPr sz="2800">
               <a:latin typeface="Times New Roman" panose="02020603050405020304"/>
               <a:cs typeface="Times New Roman" panose="02020603050405020304"/>
             </a:endParaRPr>
           </a:p>
           <a:p>
-            <a:pPr marL="469265" lvl="1" indent="-227965">
+            <a:pPr marL="241300" indent="-210820">
               <a:lnSpc>
                 <a:spcPct val="100000"/>
               </a:lnSpc>
               <a:spcBef>
-                <a:spcPts val="5"/>
+                <a:spcPts val="1680"/>
               </a:spcBef>
-              <a:buSzPct val="36000"/>
-              <a:buFont typeface="Symbol" panose="05050102010706020507"/>
-              <a:buChar char=""/>
+              <a:buFont typeface="Arial" panose="020B0604020202020204"/>
+              <a:buChar char="•"/>
               <a:tabLst>
-                <a:tab pos="469265" algn="l"/>
+                <a:tab pos="241300" algn="l"/>
               </a:tabLst>
             </a:pPr>
             <a:r>
@@ -9322,7 +9163,28 @@
                 <a:latin typeface="Times New Roman" panose="02020603050405020304"/>
                 <a:cs typeface="Times New Roman" panose="02020603050405020304"/>
               </a:rPr>
-              <a:t>Update</a:t>
+              <a:t>Generates</a:t>
+            </a:r>
+            <a:r>
+              <a:rPr sz="2800" spc="-60" dirty="0">
+                <a:latin typeface="Times New Roman" panose="02020603050405020304"/>
+                <a:cs typeface="Times New Roman" panose="02020603050405020304"/>
+              </a:rPr>
+              <a:t> </a:t>
+            </a:r>
+            <a:r>
+              <a:rPr sz="2800" spc="-10" dirty="0">
+                <a:latin typeface="Times New Roman" panose="02020603050405020304"/>
+                <a:cs typeface="Times New Roman" panose="02020603050405020304"/>
+              </a:rPr>
+              <a:t>trend-</a:t>
+            </a:r>
+            <a:r>
+              <a:rPr sz="2800" dirty="0">
+                <a:latin typeface="Times New Roman" panose="02020603050405020304"/>
+                <a:cs typeface="Times New Roman" panose="02020603050405020304"/>
+              </a:rPr>
+              <a:t>driven</a:t>
             </a:r>
             <a:r>
               <a:rPr sz="2800" spc="-50" dirty="0">
@@ -9336,66 +9198,10 @@
                 <a:latin typeface="Times New Roman" panose="02020603050405020304"/>
                 <a:cs typeface="Times New Roman" panose="02020603050405020304"/>
               </a:rPr>
-              <a:t>models</a:t>
-            </a:r>
-            <a:r>
-              <a:rPr sz="2800" spc="-50" dirty="0">
-                <a:latin typeface="Times New Roman" panose="02020603050405020304"/>
-                <a:cs typeface="Times New Roman" panose="02020603050405020304"/>
-              </a:rPr>
-              <a:t> </a:t>
-            </a:r>
-            <a:r>
-              <a:rPr sz="2800" dirty="0">
-                <a:latin typeface="Times New Roman" panose="02020603050405020304"/>
-                <a:cs typeface="Times New Roman" panose="02020603050405020304"/>
-              </a:rPr>
-              <a:t>dynamically</a:t>
-            </a:r>
-            <a:r>
-              <a:rPr sz="2800" spc="-50" dirty="0">
-                <a:latin typeface="Times New Roman" panose="02020603050405020304"/>
-                <a:cs typeface="Times New Roman" panose="02020603050405020304"/>
-              </a:rPr>
-              <a:t> </a:t>
-            </a:r>
-            <a:r>
-              <a:rPr sz="2800" dirty="0">
-                <a:latin typeface="Times New Roman" panose="02020603050405020304"/>
-                <a:cs typeface="Times New Roman" panose="02020603050405020304"/>
-              </a:rPr>
-              <a:t>using</a:t>
-            </a:r>
-            <a:r>
-              <a:rPr sz="2800" spc="-50" dirty="0">
-                <a:latin typeface="Times New Roman" panose="02020603050405020304"/>
-                <a:cs typeface="Times New Roman" panose="02020603050405020304"/>
-              </a:rPr>
-              <a:t> </a:t>
-            </a:r>
-            <a:r>
-              <a:rPr sz="2800" dirty="0">
-                <a:latin typeface="Times New Roman" panose="02020603050405020304"/>
-                <a:cs typeface="Times New Roman" panose="02020603050405020304"/>
-              </a:rPr>
-              <a:t>feedback</a:t>
-            </a:r>
-            <a:r>
-              <a:rPr sz="2800" spc="-45" dirty="0">
-                <a:latin typeface="Times New Roman" panose="02020603050405020304"/>
-                <a:cs typeface="Times New Roman" panose="02020603050405020304"/>
-              </a:rPr>
-              <a:t> </a:t>
-            </a:r>
-            <a:r>
-              <a:rPr sz="2800" dirty="0">
-                <a:latin typeface="Times New Roman" panose="02020603050405020304"/>
-                <a:cs typeface="Times New Roman" panose="02020603050405020304"/>
-              </a:rPr>
-              <a:t>for</a:t>
-            </a:r>
-            <a:r>
-              <a:rPr sz="2800" spc="-65" dirty="0">
+              <a:t>and</a:t>
+            </a:r>
+            <a:r>
+              <a:rPr sz="2800" spc="-55" dirty="0">
                 <a:latin typeface="Times New Roman" panose="02020603050405020304"/>
                 <a:cs typeface="Times New Roman" panose="02020603050405020304"/>
               </a:rPr>
@@ -9406,42 +9212,170 @@
                 <a:latin typeface="Times New Roman" panose="02020603050405020304"/>
                 <a:cs typeface="Times New Roman" panose="02020603050405020304"/>
               </a:rPr>
-              <a:t>personalization.</a:t>
-            </a:r>
-            <a:endParaRPr sz="2800" dirty="0">
+              <a:t>brand-</a:t>
+            </a:r>
+            <a:r>
+              <a:rPr sz="2800" dirty="0">
+                <a:latin typeface="Times New Roman" panose="02020603050405020304"/>
+                <a:cs typeface="Times New Roman" panose="02020603050405020304"/>
+              </a:rPr>
+              <a:t>specific</a:t>
+            </a:r>
+            <a:r>
+              <a:rPr sz="2800" spc="-70" dirty="0">
+                <a:latin typeface="Times New Roman" panose="02020603050405020304"/>
+                <a:cs typeface="Times New Roman" panose="02020603050405020304"/>
+              </a:rPr>
+              <a:t> </a:t>
+            </a:r>
+            <a:r>
+              <a:rPr sz="2800" spc="-10" dirty="0">
+                <a:latin typeface="Times New Roman" panose="02020603050405020304"/>
+                <a:cs typeface="Times New Roman" panose="02020603050405020304"/>
+              </a:rPr>
+              <a:t>designs.</a:t>
+            </a:r>
+            <a:endParaRPr sz="2800">
               <a:latin typeface="Times New Roman" panose="02020603050405020304"/>
               <a:cs typeface="Times New Roman" panose="02020603050405020304"/>
             </a:endParaRPr>
           </a:p>
           <a:p>
-            <a:pPr lvl="1">
+            <a:pPr marL="241300" indent="-210820">
               <a:lnSpc>
                 <a:spcPct val="100000"/>
               </a:lnSpc>
               <a:spcBef>
-                <a:spcPts val="2655"/>
+                <a:spcPts val="1680"/>
               </a:spcBef>
-              <a:buFont typeface="Symbol" panose="05050102010706020507"/>
-              <a:buChar char=""/>
+              <a:buFont typeface="Arial" panose="020B0604020202020204"/>
+              <a:buChar char="•"/>
+              <a:tabLst>
+                <a:tab pos="241300" algn="l"/>
+              </a:tabLst>
             </a:pPr>
-            <a:endParaRPr sz="2800" dirty="0">
+            <a:r>
+              <a:rPr sz="2800" dirty="0">
+                <a:latin typeface="Times New Roman" panose="02020603050405020304"/>
+                <a:cs typeface="Times New Roman" panose="02020603050405020304"/>
+              </a:rPr>
+              <a:t>Reduces</a:t>
+            </a:r>
+            <a:r>
+              <a:rPr sz="2800" spc="-60" dirty="0">
+                <a:latin typeface="Times New Roman" panose="02020603050405020304"/>
+                <a:cs typeface="Times New Roman" panose="02020603050405020304"/>
+              </a:rPr>
+              <a:t> </a:t>
+            </a:r>
+            <a:r>
+              <a:rPr sz="2800" dirty="0">
+                <a:latin typeface="Times New Roman" panose="02020603050405020304"/>
+                <a:cs typeface="Times New Roman" panose="02020603050405020304"/>
+              </a:rPr>
+              <a:t>design</a:t>
+            </a:r>
+            <a:r>
+              <a:rPr sz="2800" spc="-45" dirty="0">
+                <a:latin typeface="Times New Roman" panose="02020603050405020304"/>
+                <a:cs typeface="Times New Roman" panose="02020603050405020304"/>
+              </a:rPr>
+              <a:t> </a:t>
+            </a:r>
+            <a:r>
+              <a:rPr sz="2800" dirty="0">
+                <a:latin typeface="Times New Roman" panose="02020603050405020304"/>
+                <a:cs typeface="Times New Roman" panose="02020603050405020304"/>
+              </a:rPr>
+              <a:t>time</a:t>
+            </a:r>
+            <a:r>
+              <a:rPr sz="2800" spc="-45" dirty="0">
+                <a:latin typeface="Times New Roman" panose="02020603050405020304"/>
+                <a:cs typeface="Times New Roman" panose="02020603050405020304"/>
+              </a:rPr>
+              <a:t> </a:t>
+            </a:r>
+            <a:r>
+              <a:rPr sz="2800" dirty="0">
+                <a:latin typeface="Times New Roman" panose="02020603050405020304"/>
+                <a:cs typeface="Times New Roman" panose="02020603050405020304"/>
+              </a:rPr>
+              <a:t>and</a:t>
+            </a:r>
+            <a:r>
+              <a:rPr sz="2800" spc="-45" dirty="0">
+                <a:latin typeface="Times New Roman" panose="02020603050405020304"/>
+                <a:cs typeface="Times New Roman" panose="02020603050405020304"/>
+              </a:rPr>
+              <a:t> </a:t>
+            </a:r>
+            <a:r>
+              <a:rPr sz="2800" dirty="0">
+                <a:latin typeface="Times New Roman" panose="02020603050405020304"/>
+                <a:cs typeface="Times New Roman" panose="02020603050405020304"/>
+              </a:rPr>
+              <a:t>speeds</a:t>
+            </a:r>
+            <a:r>
+              <a:rPr sz="2800" spc="-50" dirty="0">
+                <a:latin typeface="Times New Roman" panose="02020603050405020304"/>
+                <a:cs typeface="Times New Roman" panose="02020603050405020304"/>
+              </a:rPr>
+              <a:t> </a:t>
+            </a:r>
+            <a:r>
+              <a:rPr sz="2800" dirty="0">
+                <a:latin typeface="Times New Roman" panose="02020603050405020304"/>
+                <a:cs typeface="Times New Roman" panose="02020603050405020304"/>
+              </a:rPr>
+              <a:t>up</a:t>
+            </a:r>
+            <a:r>
+              <a:rPr sz="2800" spc="-60" dirty="0">
+                <a:latin typeface="Times New Roman" panose="02020603050405020304"/>
+                <a:cs typeface="Times New Roman" panose="02020603050405020304"/>
+              </a:rPr>
+              <a:t> </a:t>
+            </a:r>
+            <a:r>
+              <a:rPr sz="2800" dirty="0">
+                <a:latin typeface="Times New Roman" panose="02020603050405020304"/>
+                <a:cs typeface="Times New Roman" panose="02020603050405020304"/>
+              </a:rPr>
+              <a:t>product</a:t>
+            </a:r>
+            <a:r>
+              <a:rPr sz="2800" spc="-50" dirty="0">
+                <a:latin typeface="Times New Roman" panose="02020603050405020304"/>
+                <a:cs typeface="Times New Roman" panose="02020603050405020304"/>
+              </a:rPr>
+              <a:t> </a:t>
+            </a:r>
+            <a:r>
+              <a:rPr sz="2800" spc="-10" dirty="0">
+                <a:latin typeface="Times New Roman" panose="02020603050405020304"/>
+                <a:cs typeface="Times New Roman" panose="02020603050405020304"/>
+              </a:rPr>
+              <a:t>development.</a:t>
+            </a:r>
+            <a:endParaRPr sz="2800">
               <a:latin typeface="Times New Roman" panose="02020603050405020304"/>
               <a:cs typeface="Times New Roman" panose="02020603050405020304"/>
             </a:endParaRPr>
           </a:p>
           <a:p>
-            <a:pPr marL="469265" lvl="1" indent="-227965">
+            <a:pPr marL="241300" indent="-210820">
               <a:lnSpc>
                 <a:spcPct val="100000"/>
               </a:lnSpc>
               <a:spcBef>
-                <a:spcPts val="5"/>
+                <a:spcPts val="1680"/>
               </a:spcBef>
-              <a:buSzPct val="36000"/>
-              <a:buFont typeface="Symbol" panose="05050102010706020507"/>
-              <a:buChar char=""/>
+              <a:buFont typeface="Arial" panose="020B0604020202020204"/>
+              <a:buChar char="•"/>
               <a:tabLst>
-                <a:tab pos="469265" algn="l"/>
+                <a:tab pos="241300" algn="l"/>
               </a:tabLst>
             </a:pPr>
             <a:r>
@@ -9449,21 +9383,35 @@
                 <a:latin typeface="Times New Roman" panose="02020603050405020304"/>
                 <a:cs typeface="Times New Roman" panose="02020603050405020304"/>
               </a:rPr>
-              <a:t>Enable</a:t>
-            </a:r>
-            <a:r>
-              <a:rPr sz="2800" spc="-40" dirty="0">
-                <a:latin typeface="Times New Roman" panose="02020603050405020304"/>
-                <a:cs typeface="Times New Roman" panose="02020603050405020304"/>
-              </a:rPr>
-              <a:t> </a:t>
-            </a:r>
-            <a:r>
-              <a:rPr sz="2800" dirty="0">
-                <a:latin typeface="Times New Roman" panose="02020603050405020304"/>
-                <a:cs typeface="Times New Roman" panose="02020603050405020304"/>
-              </a:rPr>
-              <a:t>rating</a:t>
+              <a:t>Supports</a:t>
+            </a:r>
+            <a:r>
+              <a:rPr sz="2800" spc="-75" dirty="0">
+                <a:latin typeface="Times New Roman" panose="02020603050405020304"/>
+                <a:cs typeface="Times New Roman" panose="02020603050405020304"/>
+              </a:rPr>
+              <a:t> </a:t>
+            </a:r>
+            <a:r>
+              <a:rPr sz="2800" dirty="0">
+                <a:latin typeface="Times New Roman" panose="02020603050405020304"/>
+                <a:cs typeface="Times New Roman" panose="02020603050405020304"/>
+              </a:rPr>
+              <a:t>designers</a:t>
+            </a:r>
+            <a:r>
+              <a:rPr sz="2800" spc="-55" dirty="0">
+                <a:latin typeface="Times New Roman" panose="02020603050405020304"/>
+                <a:cs typeface="Times New Roman" panose="02020603050405020304"/>
+              </a:rPr>
+              <a:t> </a:t>
+            </a:r>
+            <a:r>
+              <a:rPr sz="2800" dirty="0">
+                <a:latin typeface="Times New Roman" panose="02020603050405020304"/>
+                <a:cs typeface="Times New Roman" panose="02020603050405020304"/>
+              </a:rPr>
+              <a:t>with</a:t>
             </a:r>
             <a:r>
               <a:rPr sz="2800" spc="-45" dirty="0">
@@ -9473,11 +9421,60 @@
               <a:t> </a:t>
             </a:r>
             <a:r>
-              <a:rPr sz="2800" dirty="0">
-                <a:latin typeface="Times New Roman" panose="02020603050405020304"/>
-                <a:cs typeface="Times New Roman" panose="02020603050405020304"/>
-              </a:rPr>
-              <a:t>of</a:t>
+              <a:rPr sz="2800" spc="-10" dirty="0">
+                <a:latin typeface="Times New Roman" panose="02020603050405020304"/>
+                <a:cs typeface="Times New Roman" panose="02020603050405020304"/>
+              </a:rPr>
+              <a:t>data-</a:t>
+            </a:r>
+            <a:r>
+              <a:rPr sz="2800" dirty="0">
+                <a:latin typeface="Times New Roman" panose="02020603050405020304"/>
+                <a:cs typeface="Times New Roman" panose="02020603050405020304"/>
+              </a:rPr>
+              <a:t>driven</a:t>
+            </a:r>
+            <a:r>
+              <a:rPr sz="2800" spc="-60" dirty="0">
+                <a:latin typeface="Times New Roman" panose="02020603050405020304"/>
+                <a:cs typeface="Times New Roman" panose="02020603050405020304"/>
+              </a:rPr>
+              <a:t> </a:t>
+            </a:r>
+            <a:r>
+              <a:rPr sz="2800" dirty="0">
+                <a:latin typeface="Times New Roman" panose="02020603050405020304"/>
+                <a:cs typeface="Times New Roman" panose="02020603050405020304"/>
+              </a:rPr>
+              <a:t>insights</a:t>
+            </a:r>
+            <a:r>
+              <a:rPr sz="2800" spc="-55" dirty="0">
+                <a:latin typeface="Times New Roman" panose="02020603050405020304"/>
+                <a:cs typeface="Times New Roman" panose="02020603050405020304"/>
+              </a:rPr>
+              <a:t> </a:t>
+            </a:r>
+            <a:r>
+              <a:rPr sz="2800" dirty="0">
+                <a:latin typeface="Times New Roman" panose="02020603050405020304"/>
+                <a:cs typeface="Times New Roman" panose="02020603050405020304"/>
+              </a:rPr>
+              <a:t>for</a:t>
+            </a:r>
+            <a:r>
+              <a:rPr sz="2800" spc="-60" dirty="0">
+                <a:latin typeface="Times New Roman" panose="02020603050405020304"/>
+                <a:cs typeface="Times New Roman" panose="02020603050405020304"/>
+              </a:rPr>
+              <a:t> </a:t>
+            </a:r>
+            <a:r>
+              <a:rPr sz="2800" dirty="0">
+                <a:latin typeface="Times New Roman" panose="02020603050405020304"/>
+                <a:cs typeface="Times New Roman" panose="02020603050405020304"/>
+              </a:rPr>
+              <a:t>better</a:t>
             </a:r>
             <a:r>
               <a:rPr sz="2800" spc="-35" dirty="0">
@@ -9487,69 +9484,13 @@
               <a:t> </a:t>
             </a:r>
             <a:r>
-              <a:rPr sz="2800" dirty="0">
-                <a:latin typeface="Times New Roman" panose="02020603050405020304"/>
-                <a:cs typeface="Times New Roman" panose="02020603050405020304"/>
-              </a:rPr>
-              <a:t>generated</a:t>
-            </a:r>
-            <a:r>
-              <a:rPr sz="2800" spc="-35" dirty="0">
-                <a:latin typeface="Times New Roman" panose="02020603050405020304"/>
-                <a:cs typeface="Times New Roman" panose="02020603050405020304"/>
-              </a:rPr>
-              <a:t> </a:t>
-            </a:r>
-            <a:r>
-              <a:rPr sz="2800" dirty="0">
-                <a:latin typeface="Times New Roman" panose="02020603050405020304"/>
-                <a:cs typeface="Times New Roman" panose="02020603050405020304"/>
-              </a:rPr>
-              <a:t>designs</a:t>
-            </a:r>
-            <a:r>
-              <a:rPr sz="2800" spc="-35" dirty="0">
-                <a:latin typeface="Times New Roman" panose="02020603050405020304"/>
-                <a:cs typeface="Times New Roman" panose="02020603050405020304"/>
-              </a:rPr>
-              <a:t> </a:t>
-            </a:r>
-            <a:r>
-              <a:rPr sz="2800" dirty="0">
-                <a:latin typeface="Times New Roman" panose="02020603050405020304"/>
-                <a:cs typeface="Times New Roman" panose="02020603050405020304"/>
-              </a:rPr>
-              <a:t>for</a:t>
-            </a:r>
-            <a:r>
-              <a:rPr sz="2800" spc="-35" dirty="0">
-                <a:latin typeface="Times New Roman" panose="02020603050405020304"/>
-                <a:cs typeface="Times New Roman" panose="02020603050405020304"/>
-              </a:rPr>
-              <a:t> </a:t>
-            </a:r>
-            <a:r>
-              <a:rPr sz="2800" dirty="0">
-                <a:latin typeface="Times New Roman" panose="02020603050405020304"/>
-                <a:cs typeface="Times New Roman" panose="02020603050405020304"/>
-              </a:rPr>
-              <a:t>quality</a:t>
-            </a:r>
-            <a:r>
-              <a:rPr sz="2800" spc="-35" dirty="0">
-                <a:latin typeface="Times New Roman" panose="02020603050405020304"/>
-                <a:cs typeface="Times New Roman" panose="02020603050405020304"/>
-              </a:rPr>
-              <a:t> </a:t>
-            </a:r>
-            <a:r>
               <a:rPr sz="2800" spc="-10" dirty="0">
                 <a:latin typeface="Times New Roman" panose="02020603050405020304"/>
                 <a:cs typeface="Times New Roman" panose="02020603050405020304"/>
               </a:rPr>
-              <a:t>assessment.</a:t>
-            </a:r>
-            <a:endParaRPr sz="2800" dirty="0">
+              <a:t>decision-making.</a:t>
+            </a:r>
+            <a:endParaRPr sz="2800">
               <a:latin typeface="Times New Roman" panose="02020603050405020304"/>
               <a:cs typeface="Times New Roman" panose="02020603050405020304"/>
             </a:endParaRPr>
@@ -9565,6 +9506,126 @@
 </file>
 
 <file path=ppt/slides/slide13.xml><?xml version="1.0" encoding="utf-8"?>
+<p:sld xmlns:a="http://schemas.openxmlformats.org/drawingml/2006/main" xmlns:r="http://schemas.openxmlformats.org/officeDocument/2006/relationships" xmlns:p="http://schemas.openxmlformats.org/presentationml/2006/main">
+  <p:cSld>
+    <p:spTree>
+      <p:nvGrpSpPr>
+        <p:cNvPr id="1" name=""/>
+        <p:cNvGrpSpPr/>
+        <p:nvPr/>
+      </p:nvGrpSpPr>
+      <p:grpSpPr>
+        <a:xfrm>
+          <a:off x="0" y="0"/>
+          <a:ext cx="0" cy="0"/>
+          <a:chOff x="0" y="0"/>
+          <a:chExt cx="0" cy="0"/>
+        </a:xfrm>
+      </p:grpSpPr>
+      <p:sp>
+        <p:nvSpPr>
+          <p:cNvPr id="2" name="Title 1"/>
+          <p:cNvSpPr>
+            <a:spLocks noGrp="1"/>
+          </p:cNvSpPr>
+          <p:nvPr>
+            <p:ph type="title"/>
+          </p:nvPr>
+        </p:nvSpPr>
+        <p:spPr/>
+        <p:txBody>
+          <a:bodyPr/>
+          <a:lstStyle/>
+          <a:p>
+            <a:r>
+              <a:rPr lang="en-IN" dirty="0"/>
+              <a:t>Conclusion</a:t>
+            </a:r>
+            <a:endParaRPr lang="en-IN" dirty="0"/>
+          </a:p>
+        </p:txBody>
+      </p:sp>
+      <p:sp>
+        <p:nvSpPr>
+          <p:cNvPr id="3" name="Content Placeholder 2"/>
+          <p:cNvSpPr>
+            <a:spLocks noGrp="1"/>
+          </p:cNvSpPr>
+          <p:nvPr>
+            <p:ph idx="1"/>
+          </p:nvPr>
+        </p:nvSpPr>
+        <p:spPr/>
+        <p:txBody>
+          <a:bodyPr/>
+          <a:lstStyle/>
+          <a:p>
+            <a:r>
+              <a:rPr lang="en-US" altLang="en-US" sz="2400" dirty="0">
+                <a:latin typeface="Times New Roman" panose="02020603050405020304" pitchFamily="18" charset="0"/>
+                <a:cs typeface="Times New Roman" panose="02020603050405020304" pitchFamily="18" charset="0"/>
+              </a:rPr>
+              <a:t>In conclusion, the backend of our AI-based fashion design system is the core that supports all essential functionalities, from managing user data and garment catalogs to facilitating virtual try-ons. By leveraging a powerful database solution , integrating advanced AI models like </a:t>
+            </a:r>
+            <a:r>
+              <a:rPr lang="en-IN" altLang="en-US" sz="2400" b="1" dirty="0">
+                <a:latin typeface="Times New Roman" panose="02020603050405020304" pitchFamily="18" charset="0"/>
+                <a:cs typeface="Times New Roman" panose="02020603050405020304" pitchFamily="18" charset="0"/>
+              </a:rPr>
+              <a:t>diffusion model</a:t>
+            </a:r>
+            <a:r>
+              <a:rPr lang="en-US" altLang="en-US" sz="2400" dirty="0">
+                <a:solidFill>
+                  <a:schemeClr val="accent3">
+                    <a:lumMod val="40000"/>
+                    <a:lumOff val="60000"/>
+                  </a:schemeClr>
+                </a:solidFill>
+                <a:latin typeface="Times New Roman" panose="02020603050405020304" pitchFamily="18" charset="0"/>
+                <a:cs typeface="Times New Roman" panose="02020603050405020304" pitchFamily="18" charset="0"/>
+              </a:rPr>
+              <a:t>, an</a:t>
+            </a:r>
+            <a:r>
+              <a:rPr lang="en-IN" altLang="en-US" sz="2400" dirty="0">
+                <a:solidFill>
+                  <a:schemeClr val="accent3">
+                    <a:lumMod val="40000"/>
+                    <a:lumOff val="60000"/>
+                  </a:schemeClr>
+                </a:solidFill>
+                <a:latin typeface="Times New Roman" panose="02020603050405020304" pitchFamily="18" charset="0"/>
+                <a:cs typeface="Times New Roman" panose="02020603050405020304" pitchFamily="18" charset="0"/>
+              </a:rPr>
+              <a:t>d VITON</a:t>
+            </a:r>
+            <a:r>
+              <a:rPr lang="en-US" altLang="en-US" sz="2400" dirty="0">
+                <a:latin typeface="Times New Roman" panose="02020603050405020304" pitchFamily="18" charset="0"/>
+                <a:cs typeface="Times New Roman" panose="02020603050405020304" pitchFamily="18" charset="0"/>
+              </a:rPr>
+              <a:t>, we ensure a scalable, responsive, and efficient system. This architecture allows users to effortlessly create, try, and personalize fashion designs, delivering an innovative and engaging experience.</a:t>
+            </a:r>
+            <a:endParaRPr lang="en-US" sz="2400" dirty="0">
+              <a:latin typeface="Times New Roman" panose="02020603050405020304" pitchFamily="18" charset="0"/>
+              <a:cs typeface="Times New Roman" panose="02020603050405020304" pitchFamily="18" charset="0"/>
+            </a:endParaRPr>
+          </a:p>
+          <a:p>
+            <a:endParaRPr lang="en-IN" dirty="0"/>
+          </a:p>
+        </p:txBody>
+      </p:sp>
+    </p:spTree>
+  </p:cSld>
+  <p:clrMapOvr>
+    <a:masterClrMapping/>
+  </p:clrMapOvr>
+</p:sld>
+</file>
+
+<file path=ppt/slides/slide14.xml><?xml version="1.0" encoding="utf-8"?>
 <p:sld xmlns:a="http://schemas.openxmlformats.org/drawingml/2006/main" xmlns:r="http://schemas.openxmlformats.org/officeDocument/2006/relationships" xmlns:p="http://schemas.openxmlformats.org/presentationml/2006/main" showMasterSp="0">
   <p:cSld>
     <p:spTree>
@@ -9593,8 +9654,8 @@
         </p:nvSpPr>
         <p:spPr>
           <a:xfrm>
-            <a:off x="741680" y="1863839"/>
-            <a:ext cx="2782570" cy="697230"/>
+            <a:off x="1547875" y="367283"/>
+            <a:ext cx="3773170" cy="697230"/>
           </a:xfrm>
           <a:prstGeom prst="rect">
             <a:avLst/>
@@ -9616,728 +9677,451 @@
             </a:pPr>
             <a:r>
               <a:rPr spc="-10" dirty="0"/>
-              <a:t>BENEFITS</a:t>
-            </a:r>
+              <a:t>REFERENCES</a:t>
+            </a:r>
+            <a:endParaRPr spc="-10" dirty="0"/>
           </a:p>
         </p:txBody>
       </p:sp>
       <p:sp>
         <p:nvSpPr>
-          <p:cNvPr id="4" name="object 4"/>
-          <p:cNvSpPr txBox="1"/>
-          <p:nvPr/>
+          <p:cNvPr id="3" name="object 3"/>
+          <p:cNvSpPr txBox="1">
+            <a:spLocks noGrp="1"/>
+          </p:cNvSpPr>
+          <p:nvPr>
+            <p:ph idx="1"/>
+          </p:nvPr>
         </p:nvSpPr>
         <p:spPr>
           <a:xfrm>
-            <a:off x="604519" y="2988056"/>
-            <a:ext cx="10503535" cy="3293110"/>
+            <a:off x="1295400" y="1371600"/>
+            <a:ext cx="12725400" cy="6760504"/>
           </a:xfrm>
           <a:prstGeom prst="rect">
             <a:avLst/>
           </a:prstGeom>
         </p:spPr>
         <p:txBody>
-          <a:bodyPr vert="horz" wrap="square" lIns="0" tIns="259715" rIns="0" bIns="0" rtlCol="0">
+          <a:bodyPr vert="horz" wrap="square" lIns="0" tIns="14604" rIns="0" bIns="0" rtlCol="0">
             <a:spAutoFit/>
           </a:bodyPr>
           <a:lstStyle/>
           <a:p>
-            <a:pPr marL="255270" indent="-242570">
+            <a:pPr marL="12700" marR="164465" indent="-4445">
+              <a:lnSpc>
+                <a:spcPct val="99000"/>
+              </a:lnSpc>
+              <a:spcBef>
+                <a:spcPts val="115"/>
+              </a:spcBef>
+              <a:buSzPct val="96000"/>
+              <a:buAutoNum type="arabicPeriod"/>
+              <a:tabLst>
+                <a:tab pos="239395" algn="l"/>
+              </a:tabLst>
+            </a:pPr>
+            <a:r>
+              <a:rPr dirty="0"/>
+              <a:t>	</a:t>
+            </a:r>
+            <a:r>
+              <a:rPr lang="en-IN" dirty="0"/>
+              <a:t>Revolutionizing Style: Artificial Intelligence (AI) Applications in Fashion Design G.K. Indu, C. </a:t>
+            </a:r>
+            <a:r>
+              <a:rPr lang="en-IN" dirty="0" err="1"/>
+              <a:t>Kayalvizhi</a:t>
+            </a:r>
+            <a:r>
+              <a:rPr lang="en-IN" dirty="0"/>
+              <a:t>, J. </a:t>
+            </a:r>
+            <a:r>
+              <a:rPr lang="en-IN" dirty="0" err="1"/>
+              <a:t>Hayavadana</a:t>
+            </a:r>
+            <a:r>
+              <a:rPr lang="en-IN" dirty="0"/>
+              <a:t>, Taruna </a:t>
+            </a:r>
+            <a:r>
+              <a:rPr lang="en-IN" dirty="0" err="1"/>
+              <a:t>Rajpurohit</a:t>
+            </a:r>
+            <a:r>
+              <a:rPr lang="en-IN" dirty="0"/>
+              <a:t>, S. </a:t>
+            </a:r>
+            <a:r>
+              <a:rPr lang="en-IN" dirty="0" err="1"/>
+              <a:t>Priyalatha</a:t>
+            </a:r>
+            <a:r>
+              <a:rPr lang="en-IN" dirty="0"/>
+              <a:t>, R. Priyanka </a:t>
+            </a:r>
+            <a:endParaRPr lang="en-IN" dirty="0"/>
+          </a:p>
+          <a:p>
+            <a:pPr marL="8255" marR="164465" indent="0">
+              <a:lnSpc>
+                <a:spcPct val="99000"/>
+              </a:lnSpc>
+              <a:spcBef>
+                <a:spcPts val="115"/>
+              </a:spcBef>
+              <a:buSzPct val="96000"/>
+              <a:buNone/>
+              <a:tabLst>
+                <a:tab pos="239395" algn="l"/>
+              </a:tabLst>
+            </a:pPr>
+            <a:r>
+              <a:rPr lang="en-IN" dirty="0">
+                <a:hlinkClick r:id="rId1"/>
+              </a:rPr>
+              <a:t>https://www.afjbs.com/uploads/paper/5dcd47a637ee5fa1cd6b83f9a4edf804.pdf</a:t>
+            </a:r>
+            <a:endParaRPr lang="en-IN" dirty="0"/>
+          </a:p>
+          <a:p>
+            <a:pPr marL="8255" marR="164465" indent="0">
+              <a:lnSpc>
+                <a:spcPct val="99000"/>
+              </a:lnSpc>
+              <a:spcBef>
+                <a:spcPts val="115"/>
+              </a:spcBef>
+              <a:buSzPct val="96000"/>
+              <a:buNone/>
+              <a:tabLst>
+                <a:tab pos="239395" algn="l"/>
+              </a:tabLst>
+            </a:pPr>
+            <a:endParaRPr lang="en-IN" dirty="0"/>
+          </a:p>
+          <a:p>
+            <a:pPr marL="8255" marR="164465" indent="0">
+              <a:lnSpc>
+                <a:spcPct val="99000"/>
+              </a:lnSpc>
+              <a:spcBef>
+                <a:spcPts val="115"/>
+              </a:spcBef>
+              <a:buSzPct val="96000"/>
+              <a:buNone/>
+              <a:tabLst>
+                <a:tab pos="239395" algn="l"/>
+              </a:tabLst>
+            </a:pPr>
+            <a:endParaRPr spc="-10" dirty="0"/>
+          </a:p>
+          <a:p>
+            <a:pPr marL="8255" marR="5080" indent="0">
+              <a:lnSpc>
+                <a:spcPts val="2870"/>
+              </a:lnSpc>
+              <a:buSzPct val="96000"/>
+              <a:buNone/>
+              <a:tabLst>
+                <a:tab pos="239395" algn="l"/>
+              </a:tabLst>
+            </a:pPr>
+            <a:r>
+              <a:rPr lang="en-IN" spc="-25" dirty="0"/>
+              <a:t>2.  </a:t>
+            </a:r>
+            <a:r>
+              <a:rPr spc="-25" dirty="0"/>
+              <a:t>AI</a:t>
+            </a:r>
+            <a:r>
+              <a:rPr spc="-155" dirty="0"/>
+              <a:t> </a:t>
+            </a:r>
+            <a:r>
+              <a:rPr spc="-10" dirty="0"/>
+              <a:t>Assisted</a:t>
+            </a:r>
+            <a:r>
+              <a:rPr spc="-145" dirty="0"/>
+              <a:t> </a:t>
+            </a:r>
+            <a:r>
+              <a:rPr dirty="0"/>
+              <a:t>Fashion</a:t>
+            </a:r>
+            <a:r>
+              <a:rPr spc="-120" dirty="0"/>
+              <a:t> </a:t>
+            </a:r>
+            <a:r>
+              <a:rPr spc="-10" dirty="0"/>
+              <a:t>Design:A</a:t>
+            </a:r>
+            <a:r>
+              <a:rPr spc="-150" dirty="0"/>
+              <a:t> </a:t>
+            </a:r>
+            <a:r>
+              <a:rPr dirty="0"/>
+              <a:t>review,Ziyue</a:t>
+            </a:r>
+            <a:r>
+              <a:rPr spc="-90" dirty="0"/>
+              <a:t> </a:t>
+            </a:r>
+            <a:r>
+              <a:rPr dirty="0"/>
+              <a:t>Guo,Zongyang</a:t>
+            </a:r>
+            <a:r>
+              <a:rPr spc="-85" dirty="0"/>
+              <a:t> </a:t>
+            </a:r>
+            <a:r>
+              <a:rPr dirty="0"/>
+              <a:t>Zhu,Yizhi</a:t>
+            </a:r>
+            <a:r>
+              <a:rPr spc="-80" dirty="0"/>
+              <a:t> </a:t>
+            </a:r>
+            <a:r>
+              <a:rPr dirty="0"/>
+              <a:t>Li,Shidong</a:t>
+            </a:r>
+            <a:r>
+              <a:rPr spc="-85" dirty="0"/>
+              <a:t> </a:t>
+            </a:r>
+            <a:r>
+              <a:rPr spc="-10" dirty="0"/>
+              <a:t>Cao,Hanggyue </a:t>
+            </a:r>
+            <a:r>
+              <a:rPr dirty="0"/>
+              <a:t>Chen,Gaoang</a:t>
+            </a:r>
+            <a:r>
+              <a:rPr spc="-35" dirty="0"/>
+              <a:t> </a:t>
+            </a:r>
+            <a:r>
+              <a:rPr dirty="0"/>
+              <a:t>Wang,IEEE</a:t>
+            </a:r>
+            <a:r>
+              <a:rPr spc="-35" dirty="0"/>
+              <a:t> </a:t>
+            </a:r>
+            <a:r>
+              <a:rPr spc="-10" dirty="0"/>
+              <a:t>Access,2023</a:t>
+            </a:r>
+            <a:endParaRPr spc="-10" dirty="0"/>
+          </a:p>
+          <a:p>
+            <a:pPr marL="8255" marR="2050415" indent="0">
+              <a:lnSpc>
+                <a:spcPts val="2870"/>
+              </a:lnSpc>
+              <a:buSzPct val="96000"/>
+              <a:buNone/>
+              <a:tabLst>
+                <a:tab pos="239395" algn="l"/>
+              </a:tabLst>
+            </a:pPr>
+            <a:r>
+              <a:rPr lang="en-IN" spc="-10" dirty="0">
+                <a:hlinkClick r:id="rId2"/>
+              </a:rPr>
+              <a:t>https://www.researchgate.net/publication/373205261_AI_Assisted_Fashion_Design_A_Review</a:t>
+            </a:r>
+            <a:endParaRPr lang="en-IN" spc="-10" dirty="0"/>
+          </a:p>
+          <a:p>
+            <a:pPr marL="8255" marR="2050415" indent="0">
+              <a:lnSpc>
+                <a:spcPts val="2870"/>
+              </a:lnSpc>
+              <a:buSzPct val="96000"/>
+              <a:buNone/>
+              <a:tabLst>
+                <a:tab pos="239395" algn="l"/>
+              </a:tabLst>
+            </a:pPr>
+            <a:endParaRPr lang="en-IN" spc="-10" dirty="0"/>
+          </a:p>
+          <a:p>
+            <a:pPr marL="8255" marR="2050415" indent="0">
+              <a:lnSpc>
+                <a:spcPts val="2870"/>
+              </a:lnSpc>
+              <a:buSzPct val="96000"/>
+              <a:buNone/>
+              <a:tabLst>
+                <a:tab pos="239395" algn="l"/>
+              </a:tabLst>
+            </a:pPr>
+            <a:r>
+              <a:rPr lang="en-IN" spc="-10" dirty="0"/>
+              <a:t>3.</a:t>
+            </a:r>
+            <a:r>
+              <a:rPr dirty="0"/>
+              <a:t>	Study</a:t>
+            </a:r>
+            <a:r>
+              <a:rPr spc="-95" dirty="0"/>
+              <a:t> </a:t>
+            </a:r>
+            <a:r>
+              <a:rPr spc="-10" dirty="0"/>
+              <a:t>of</a:t>
+            </a:r>
+            <a:r>
+              <a:rPr spc="-155" dirty="0"/>
+              <a:t> </a:t>
+            </a:r>
+            <a:r>
+              <a:rPr dirty="0"/>
+              <a:t>AI</a:t>
+            </a:r>
+            <a:r>
+              <a:rPr spc="-55" dirty="0"/>
+              <a:t> </a:t>
+            </a:r>
+            <a:r>
+              <a:rPr dirty="0"/>
+              <a:t>driven</a:t>
+            </a:r>
+            <a:r>
+              <a:rPr spc="-65" dirty="0"/>
+              <a:t> </a:t>
+            </a:r>
+            <a:r>
+              <a:rPr dirty="0"/>
+              <a:t>Fashion</a:t>
+            </a:r>
+            <a:r>
+              <a:rPr spc="-65" dirty="0"/>
+              <a:t> </a:t>
+            </a:r>
+            <a:r>
+              <a:rPr dirty="0"/>
+              <a:t>Recommender</a:t>
+            </a:r>
+            <a:r>
+              <a:rPr spc="-65" dirty="0"/>
+              <a:t> </a:t>
+            </a:r>
+            <a:r>
+              <a:rPr dirty="0"/>
+              <a:t>System,Shaghayeg</a:t>
+            </a:r>
+            <a:r>
+              <a:rPr spc="-65" dirty="0"/>
+              <a:t> </a:t>
+            </a:r>
+            <a:r>
+              <a:rPr spc="-10" dirty="0"/>
+              <a:t>Shirkhani,Hamam </a:t>
+            </a:r>
+            <a:r>
+              <a:rPr dirty="0"/>
+              <a:t>Mokayed,Rajkumar</a:t>
+            </a:r>
+            <a:r>
+              <a:rPr spc="-30" dirty="0"/>
+              <a:t> </a:t>
+            </a:r>
+            <a:r>
+              <a:rPr dirty="0"/>
+              <a:t>Saini,</a:t>
+            </a:r>
+            <a:r>
+              <a:rPr spc="-35" dirty="0"/>
+              <a:t> </a:t>
+            </a:r>
+            <a:r>
+              <a:rPr dirty="0"/>
+              <a:t>Hum</a:t>
+            </a:r>
+            <a:r>
+              <a:rPr spc="-25" dirty="0"/>
+              <a:t> </a:t>
+            </a:r>
+            <a:r>
+              <a:rPr dirty="0"/>
+              <a:t>Yan</a:t>
+            </a:r>
+            <a:r>
+              <a:rPr spc="-35" dirty="0"/>
+              <a:t> </a:t>
+            </a:r>
+            <a:r>
+              <a:rPr spc="-10" dirty="0"/>
+              <a:t>Chai,2023</a:t>
+            </a:r>
+            <a:endParaRPr spc="-10" dirty="0"/>
+          </a:p>
+          <a:p>
+            <a:pPr marL="0" indent="0">
               <a:lnSpc>
                 <a:spcPct val="100000"/>
               </a:lnSpc>
               <a:spcBef>
-                <a:spcPts val="2045"/>
+                <a:spcPts val="135"/>
               </a:spcBef>
-              <a:buSzPct val="114000"/>
-              <a:buFont typeface="Arial" panose="020B0604020202020204"/>
-              <a:buChar char="•"/>
-              <a:tabLst>
-                <a:tab pos="255270" algn="l"/>
-              </a:tabLst>
+              <a:buNone/>
             </a:pPr>
             <a:r>
-              <a:rPr sz="2800" dirty="0">
-                <a:latin typeface="Times New Roman" panose="02020603050405020304"/>
-                <a:cs typeface="Times New Roman" panose="02020603050405020304"/>
-              </a:rPr>
-              <a:t>Automates</a:t>
-            </a:r>
-            <a:r>
-              <a:rPr sz="2800" spc="-75" dirty="0">
-                <a:latin typeface="Times New Roman" panose="02020603050405020304"/>
-                <a:cs typeface="Times New Roman" panose="02020603050405020304"/>
-              </a:rPr>
-              <a:t> </a:t>
-            </a:r>
-            <a:r>
-              <a:rPr sz="2800" dirty="0">
-                <a:latin typeface="Times New Roman" panose="02020603050405020304"/>
-                <a:cs typeface="Times New Roman" panose="02020603050405020304"/>
-              </a:rPr>
-              <a:t>repetitive</a:t>
-            </a:r>
-            <a:r>
-              <a:rPr sz="2800" spc="-70" dirty="0">
-                <a:latin typeface="Times New Roman" panose="02020603050405020304"/>
-                <a:cs typeface="Times New Roman" panose="02020603050405020304"/>
-              </a:rPr>
-              <a:t> </a:t>
-            </a:r>
-            <a:r>
-              <a:rPr sz="2800" dirty="0">
-                <a:latin typeface="Times New Roman" panose="02020603050405020304"/>
-                <a:cs typeface="Times New Roman" panose="02020603050405020304"/>
-              </a:rPr>
-              <a:t>and</a:t>
-            </a:r>
-            <a:r>
-              <a:rPr sz="2800" spc="-60" dirty="0">
-                <a:latin typeface="Times New Roman" panose="02020603050405020304"/>
-                <a:cs typeface="Times New Roman" panose="02020603050405020304"/>
-              </a:rPr>
-              <a:t> </a:t>
-            </a:r>
-            <a:r>
-              <a:rPr sz="2800" spc="-10" dirty="0">
-                <a:latin typeface="Times New Roman" panose="02020603050405020304"/>
-                <a:cs typeface="Times New Roman" panose="02020603050405020304"/>
-              </a:rPr>
-              <a:t>time-</a:t>
-            </a:r>
-            <a:r>
-              <a:rPr sz="2800" dirty="0">
-                <a:latin typeface="Times New Roman" panose="02020603050405020304"/>
-                <a:cs typeface="Times New Roman" panose="02020603050405020304"/>
-              </a:rPr>
-              <a:t>consuming</a:t>
-            </a:r>
-            <a:r>
-              <a:rPr sz="2800" spc="-75" dirty="0">
-                <a:latin typeface="Times New Roman" panose="02020603050405020304"/>
-                <a:cs typeface="Times New Roman" panose="02020603050405020304"/>
-              </a:rPr>
-              <a:t> </a:t>
-            </a:r>
-            <a:r>
-              <a:rPr sz="2800" dirty="0">
-                <a:latin typeface="Times New Roman" panose="02020603050405020304"/>
-                <a:cs typeface="Times New Roman" panose="02020603050405020304"/>
-              </a:rPr>
-              <a:t>fashion</a:t>
-            </a:r>
-            <a:r>
-              <a:rPr sz="2800" spc="-70" dirty="0">
-                <a:latin typeface="Times New Roman" panose="02020603050405020304"/>
-                <a:cs typeface="Times New Roman" panose="02020603050405020304"/>
-              </a:rPr>
-              <a:t> </a:t>
-            </a:r>
-            <a:r>
-              <a:rPr sz="2800" dirty="0">
-                <a:latin typeface="Times New Roman" panose="02020603050405020304"/>
-                <a:cs typeface="Times New Roman" panose="02020603050405020304"/>
-              </a:rPr>
-              <a:t>design</a:t>
-            </a:r>
-            <a:r>
-              <a:rPr sz="2800" spc="-60" dirty="0">
-                <a:latin typeface="Times New Roman" panose="02020603050405020304"/>
-                <a:cs typeface="Times New Roman" panose="02020603050405020304"/>
-              </a:rPr>
-              <a:t> </a:t>
-            </a:r>
-            <a:r>
-              <a:rPr sz="2800" spc="-10" dirty="0">
-                <a:latin typeface="Times New Roman" panose="02020603050405020304"/>
-                <a:cs typeface="Times New Roman" panose="02020603050405020304"/>
-              </a:rPr>
-              <a:t>tasks.</a:t>
-            </a:r>
-            <a:endParaRPr sz="2800">
-              <a:latin typeface="Times New Roman" panose="02020603050405020304"/>
-              <a:cs typeface="Times New Roman" panose="02020603050405020304"/>
-            </a:endParaRPr>
-          </a:p>
-          <a:p>
-            <a:pPr marL="241300" indent="-210820">
+              <a:rPr lang="en-IN" spc="-10">
+                <a:hlinkClick r:id="rId3"/>
+              </a:rPr>
+              <a:t>https://link.springer.com/article/10.1007/s42979-023-01932-9</a:t>
+            </a:r>
+            <a:endParaRPr lang="en-IN" spc="-10"/>
+          </a:p>
+          <a:p>
+            <a:pPr marL="0" indent="0">
               <a:lnSpc>
                 <a:spcPct val="100000"/>
               </a:lnSpc>
               <a:spcBef>
-                <a:spcPts val="1940"/>
+                <a:spcPts val="135"/>
               </a:spcBef>
-              <a:buFont typeface="Arial" panose="020B0604020202020204"/>
-              <a:buChar char="•"/>
-              <a:tabLst>
-                <a:tab pos="241300" algn="l"/>
-              </a:tabLst>
+              <a:buNone/>
             </a:pPr>
-            <a:r>
-              <a:rPr sz="2800" dirty="0">
-                <a:latin typeface="Times New Roman" panose="02020603050405020304"/>
-                <a:cs typeface="Times New Roman" panose="02020603050405020304"/>
-              </a:rPr>
-              <a:t>Enhances</a:t>
-            </a:r>
-            <a:r>
-              <a:rPr sz="2800" spc="-55" dirty="0">
-                <a:latin typeface="Times New Roman" panose="02020603050405020304"/>
-                <a:cs typeface="Times New Roman" panose="02020603050405020304"/>
-              </a:rPr>
-              <a:t> </a:t>
-            </a:r>
-            <a:r>
-              <a:rPr sz="2800" dirty="0">
-                <a:latin typeface="Times New Roman" panose="02020603050405020304"/>
-                <a:cs typeface="Times New Roman" panose="02020603050405020304"/>
-              </a:rPr>
-              <a:t>creativity</a:t>
-            </a:r>
-            <a:r>
-              <a:rPr sz="2800" spc="-25" dirty="0">
-                <a:latin typeface="Times New Roman" panose="02020603050405020304"/>
-                <a:cs typeface="Times New Roman" panose="02020603050405020304"/>
-              </a:rPr>
-              <a:t> </a:t>
-            </a:r>
-            <a:r>
-              <a:rPr sz="2800" dirty="0">
-                <a:latin typeface="Times New Roman" panose="02020603050405020304"/>
-                <a:cs typeface="Times New Roman" panose="02020603050405020304"/>
-              </a:rPr>
-              <a:t>by</a:t>
-            </a:r>
-            <a:r>
-              <a:rPr sz="2800" spc="-15" dirty="0">
-                <a:latin typeface="Times New Roman" panose="02020603050405020304"/>
-                <a:cs typeface="Times New Roman" panose="02020603050405020304"/>
-              </a:rPr>
-              <a:t> </a:t>
-            </a:r>
-            <a:r>
-              <a:rPr sz="2800" spc="-20" dirty="0">
-                <a:latin typeface="Times New Roman" panose="02020603050405020304"/>
-                <a:cs typeface="Times New Roman" panose="02020603050405020304"/>
-              </a:rPr>
-              <a:t>providing</a:t>
-            </a:r>
-            <a:r>
-              <a:rPr sz="2800" spc="-170" dirty="0">
-                <a:latin typeface="Times New Roman" panose="02020603050405020304"/>
-                <a:cs typeface="Times New Roman" panose="02020603050405020304"/>
-              </a:rPr>
-              <a:t> </a:t>
-            </a:r>
-            <a:r>
-              <a:rPr sz="2800" spc="-20" dirty="0">
-                <a:latin typeface="Times New Roman" panose="02020603050405020304"/>
-                <a:cs typeface="Times New Roman" panose="02020603050405020304"/>
-              </a:rPr>
-              <a:t>AI-</a:t>
-            </a:r>
-            <a:r>
-              <a:rPr sz="2800" dirty="0">
-                <a:latin typeface="Times New Roman" panose="02020603050405020304"/>
-                <a:cs typeface="Times New Roman" panose="02020603050405020304"/>
-              </a:rPr>
-              <a:t>generated</a:t>
-            </a:r>
-            <a:r>
-              <a:rPr sz="2800" spc="-15" dirty="0">
-                <a:latin typeface="Times New Roman" panose="02020603050405020304"/>
-                <a:cs typeface="Times New Roman" panose="02020603050405020304"/>
-              </a:rPr>
-              <a:t> </a:t>
-            </a:r>
-            <a:r>
-              <a:rPr sz="2800" dirty="0">
-                <a:latin typeface="Times New Roman" panose="02020603050405020304"/>
-                <a:cs typeface="Times New Roman" panose="02020603050405020304"/>
-              </a:rPr>
-              <a:t>design</a:t>
-            </a:r>
-            <a:r>
-              <a:rPr sz="2800" spc="-20" dirty="0">
-                <a:latin typeface="Times New Roman" panose="02020603050405020304"/>
-                <a:cs typeface="Times New Roman" panose="02020603050405020304"/>
-              </a:rPr>
-              <a:t> </a:t>
-            </a:r>
-            <a:r>
-              <a:rPr sz="2800" spc="-10" dirty="0">
-                <a:latin typeface="Times New Roman" panose="02020603050405020304"/>
-                <a:cs typeface="Times New Roman" panose="02020603050405020304"/>
-              </a:rPr>
-              <a:t>suggestions.</a:t>
-            </a:r>
-            <a:endParaRPr sz="2800">
-              <a:latin typeface="Times New Roman" panose="02020603050405020304"/>
-              <a:cs typeface="Times New Roman" panose="02020603050405020304"/>
-            </a:endParaRPr>
-          </a:p>
-          <a:p>
-            <a:pPr marL="241300" indent="-210820">
+            <a:endParaRPr spc="-10" dirty="0"/>
+          </a:p>
+          <a:p>
+            <a:pPr>
               <a:lnSpc>
                 <a:spcPct val="100000"/>
               </a:lnSpc>
               <a:spcBef>
-                <a:spcPts val="1680"/>
+                <a:spcPts val="150"/>
               </a:spcBef>
-              <a:buFont typeface="Arial" panose="020B0604020202020204"/>
-              <a:buChar char="•"/>
+              <a:buFont typeface="Times New Roman" panose="02020603050405020304"/>
+              <a:buAutoNum type="arabicPeriod"/>
+            </a:pPr>
+            <a:endParaRPr spc="-10" dirty="0"/>
+          </a:p>
+          <a:p>
+            <a:pPr marL="6985" marR="154305" indent="0">
+              <a:lnSpc>
+                <a:spcPts val="2860"/>
+              </a:lnSpc>
+              <a:buSzPct val="96000"/>
+              <a:buNone/>
               <a:tabLst>
-                <a:tab pos="241300" algn="l"/>
+                <a:tab pos="238760" algn="l"/>
               </a:tabLst>
             </a:pPr>
-            <a:r>
-              <a:rPr sz="2800" dirty="0">
-                <a:latin typeface="Times New Roman" panose="02020603050405020304"/>
-                <a:cs typeface="Times New Roman" panose="02020603050405020304"/>
-              </a:rPr>
-              <a:t>Generates</a:t>
-            </a:r>
-            <a:r>
-              <a:rPr sz="2800" spc="-60" dirty="0">
-                <a:latin typeface="Times New Roman" panose="02020603050405020304"/>
-                <a:cs typeface="Times New Roman" panose="02020603050405020304"/>
-              </a:rPr>
-              <a:t> </a:t>
-            </a:r>
-            <a:r>
-              <a:rPr sz="2800" spc="-10" dirty="0">
-                <a:latin typeface="Times New Roman" panose="02020603050405020304"/>
-                <a:cs typeface="Times New Roman" panose="02020603050405020304"/>
-              </a:rPr>
-              <a:t>trend-</a:t>
-            </a:r>
-            <a:r>
-              <a:rPr sz="2800" dirty="0">
-                <a:latin typeface="Times New Roman" panose="02020603050405020304"/>
-                <a:cs typeface="Times New Roman" panose="02020603050405020304"/>
-              </a:rPr>
-              <a:t>driven</a:t>
-            </a:r>
-            <a:r>
-              <a:rPr sz="2800" spc="-50" dirty="0">
-                <a:latin typeface="Times New Roman" panose="02020603050405020304"/>
-                <a:cs typeface="Times New Roman" panose="02020603050405020304"/>
-              </a:rPr>
-              <a:t> </a:t>
-            </a:r>
-            <a:r>
-              <a:rPr sz="2800" dirty="0">
-                <a:latin typeface="Times New Roman" panose="02020603050405020304"/>
-                <a:cs typeface="Times New Roman" panose="02020603050405020304"/>
-              </a:rPr>
-              <a:t>and</a:t>
-            </a:r>
-            <a:r>
-              <a:rPr sz="2800" spc="-55" dirty="0">
-                <a:latin typeface="Times New Roman" panose="02020603050405020304"/>
-                <a:cs typeface="Times New Roman" panose="02020603050405020304"/>
-              </a:rPr>
-              <a:t> </a:t>
-            </a:r>
-            <a:r>
-              <a:rPr sz="2800" spc="-10" dirty="0">
-                <a:latin typeface="Times New Roman" panose="02020603050405020304"/>
-                <a:cs typeface="Times New Roman" panose="02020603050405020304"/>
-              </a:rPr>
-              <a:t>brand-</a:t>
-            </a:r>
-            <a:r>
-              <a:rPr sz="2800" dirty="0">
-                <a:latin typeface="Times New Roman" panose="02020603050405020304"/>
-                <a:cs typeface="Times New Roman" panose="02020603050405020304"/>
-              </a:rPr>
-              <a:t>specific</a:t>
-            </a:r>
-            <a:r>
-              <a:rPr sz="2800" spc="-70" dirty="0">
-                <a:latin typeface="Times New Roman" panose="02020603050405020304"/>
-                <a:cs typeface="Times New Roman" panose="02020603050405020304"/>
-              </a:rPr>
-              <a:t> </a:t>
-            </a:r>
-            <a:r>
-              <a:rPr sz="2800" spc="-10" dirty="0">
-                <a:latin typeface="Times New Roman" panose="02020603050405020304"/>
-                <a:cs typeface="Times New Roman" panose="02020603050405020304"/>
-              </a:rPr>
-              <a:t>designs.</a:t>
-            </a:r>
-            <a:endParaRPr sz="2800">
-              <a:latin typeface="Times New Roman" panose="02020603050405020304"/>
-              <a:cs typeface="Times New Roman" panose="02020603050405020304"/>
-            </a:endParaRPr>
-          </a:p>
-          <a:p>
-            <a:pPr marL="241300" indent="-210820">
-              <a:lnSpc>
-                <a:spcPct val="100000"/>
-              </a:lnSpc>
-              <a:spcBef>
-                <a:spcPts val="1680"/>
-              </a:spcBef>
-              <a:buFont typeface="Arial" panose="020B0604020202020204"/>
-              <a:buChar char="•"/>
-              <a:tabLst>
-                <a:tab pos="241300" algn="l"/>
-              </a:tabLst>
-            </a:pPr>
-            <a:r>
-              <a:rPr sz="2800" dirty="0">
-                <a:latin typeface="Times New Roman" panose="02020603050405020304"/>
-                <a:cs typeface="Times New Roman" panose="02020603050405020304"/>
-              </a:rPr>
-              <a:t>Reduces</a:t>
-            </a:r>
-            <a:r>
-              <a:rPr sz="2800" spc="-60" dirty="0">
-                <a:latin typeface="Times New Roman" panose="02020603050405020304"/>
-                <a:cs typeface="Times New Roman" panose="02020603050405020304"/>
-              </a:rPr>
-              <a:t> </a:t>
-            </a:r>
-            <a:r>
-              <a:rPr sz="2800" dirty="0">
-                <a:latin typeface="Times New Roman" panose="02020603050405020304"/>
-                <a:cs typeface="Times New Roman" panose="02020603050405020304"/>
-              </a:rPr>
-              <a:t>design</a:t>
-            </a:r>
-            <a:r>
-              <a:rPr sz="2800" spc="-45" dirty="0">
-                <a:latin typeface="Times New Roman" panose="02020603050405020304"/>
-                <a:cs typeface="Times New Roman" panose="02020603050405020304"/>
-              </a:rPr>
-              <a:t> </a:t>
-            </a:r>
-            <a:r>
-              <a:rPr sz="2800" dirty="0">
-                <a:latin typeface="Times New Roman" panose="02020603050405020304"/>
-                <a:cs typeface="Times New Roman" panose="02020603050405020304"/>
-              </a:rPr>
-              <a:t>time</a:t>
-            </a:r>
-            <a:r>
-              <a:rPr sz="2800" spc="-45" dirty="0">
-                <a:latin typeface="Times New Roman" panose="02020603050405020304"/>
-                <a:cs typeface="Times New Roman" panose="02020603050405020304"/>
-              </a:rPr>
-              <a:t> </a:t>
-            </a:r>
-            <a:r>
-              <a:rPr sz="2800" dirty="0">
-                <a:latin typeface="Times New Roman" panose="02020603050405020304"/>
-                <a:cs typeface="Times New Roman" panose="02020603050405020304"/>
-              </a:rPr>
-              <a:t>and</a:t>
-            </a:r>
-            <a:r>
-              <a:rPr sz="2800" spc="-45" dirty="0">
-                <a:latin typeface="Times New Roman" panose="02020603050405020304"/>
-                <a:cs typeface="Times New Roman" panose="02020603050405020304"/>
-              </a:rPr>
-              <a:t> </a:t>
-            </a:r>
-            <a:r>
-              <a:rPr sz="2800" dirty="0">
-                <a:latin typeface="Times New Roman" panose="02020603050405020304"/>
-                <a:cs typeface="Times New Roman" panose="02020603050405020304"/>
-              </a:rPr>
-              <a:t>speeds</a:t>
-            </a:r>
-            <a:r>
-              <a:rPr sz="2800" spc="-50" dirty="0">
-                <a:latin typeface="Times New Roman" panose="02020603050405020304"/>
-                <a:cs typeface="Times New Roman" panose="02020603050405020304"/>
-              </a:rPr>
-              <a:t> </a:t>
-            </a:r>
-            <a:r>
-              <a:rPr sz="2800" dirty="0">
-                <a:latin typeface="Times New Roman" panose="02020603050405020304"/>
-                <a:cs typeface="Times New Roman" panose="02020603050405020304"/>
-              </a:rPr>
-              <a:t>up</a:t>
-            </a:r>
-            <a:r>
-              <a:rPr sz="2800" spc="-60" dirty="0">
-                <a:latin typeface="Times New Roman" panose="02020603050405020304"/>
-                <a:cs typeface="Times New Roman" panose="02020603050405020304"/>
-              </a:rPr>
-              <a:t> </a:t>
-            </a:r>
-            <a:r>
-              <a:rPr sz="2800" dirty="0">
-                <a:latin typeface="Times New Roman" panose="02020603050405020304"/>
-                <a:cs typeface="Times New Roman" panose="02020603050405020304"/>
-              </a:rPr>
-              <a:t>product</a:t>
-            </a:r>
-            <a:r>
-              <a:rPr sz="2800" spc="-50" dirty="0">
-                <a:latin typeface="Times New Roman" panose="02020603050405020304"/>
-                <a:cs typeface="Times New Roman" panose="02020603050405020304"/>
-              </a:rPr>
-              <a:t> </a:t>
-            </a:r>
-            <a:r>
-              <a:rPr sz="2800" spc="-10" dirty="0">
-                <a:latin typeface="Times New Roman" panose="02020603050405020304"/>
-                <a:cs typeface="Times New Roman" panose="02020603050405020304"/>
-              </a:rPr>
-              <a:t>development.</a:t>
-            </a:r>
-            <a:endParaRPr sz="2800">
-              <a:latin typeface="Times New Roman" panose="02020603050405020304"/>
-              <a:cs typeface="Times New Roman" panose="02020603050405020304"/>
-            </a:endParaRPr>
-          </a:p>
-          <a:p>
-            <a:pPr marL="241300" indent="-210820">
-              <a:lnSpc>
-                <a:spcPct val="100000"/>
-              </a:lnSpc>
-              <a:spcBef>
-                <a:spcPts val="1680"/>
-              </a:spcBef>
-              <a:buFont typeface="Arial" panose="020B0604020202020204"/>
-              <a:buChar char="•"/>
-              <a:tabLst>
-                <a:tab pos="241300" algn="l"/>
-              </a:tabLst>
-            </a:pPr>
-            <a:r>
-              <a:rPr sz="2800" dirty="0">
-                <a:latin typeface="Times New Roman" panose="02020603050405020304"/>
-                <a:cs typeface="Times New Roman" panose="02020603050405020304"/>
-              </a:rPr>
-              <a:t>Supports</a:t>
-            </a:r>
-            <a:r>
-              <a:rPr sz="2800" spc="-75" dirty="0">
-                <a:latin typeface="Times New Roman" panose="02020603050405020304"/>
-                <a:cs typeface="Times New Roman" panose="02020603050405020304"/>
-              </a:rPr>
-              <a:t> </a:t>
-            </a:r>
-            <a:r>
-              <a:rPr sz="2800" dirty="0">
-                <a:latin typeface="Times New Roman" panose="02020603050405020304"/>
-                <a:cs typeface="Times New Roman" panose="02020603050405020304"/>
-              </a:rPr>
-              <a:t>designers</a:t>
-            </a:r>
-            <a:r>
-              <a:rPr sz="2800" spc="-55" dirty="0">
-                <a:latin typeface="Times New Roman" panose="02020603050405020304"/>
-                <a:cs typeface="Times New Roman" panose="02020603050405020304"/>
-              </a:rPr>
-              <a:t> </a:t>
-            </a:r>
-            <a:r>
-              <a:rPr sz="2800" dirty="0">
-                <a:latin typeface="Times New Roman" panose="02020603050405020304"/>
-                <a:cs typeface="Times New Roman" panose="02020603050405020304"/>
-              </a:rPr>
-              <a:t>with</a:t>
-            </a:r>
-            <a:r>
-              <a:rPr sz="2800" spc="-45" dirty="0">
-                <a:latin typeface="Times New Roman" panose="02020603050405020304"/>
-                <a:cs typeface="Times New Roman" panose="02020603050405020304"/>
-              </a:rPr>
-              <a:t> </a:t>
-            </a:r>
-            <a:r>
-              <a:rPr sz="2800" spc="-10" dirty="0">
-                <a:latin typeface="Times New Roman" panose="02020603050405020304"/>
-                <a:cs typeface="Times New Roman" panose="02020603050405020304"/>
-              </a:rPr>
-              <a:t>data-</a:t>
-            </a:r>
-            <a:r>
-              <a:rPr sz="2800" dirty="0">
-                <a:latin typeface="Times New Roman" panose="02020603050405020304"/>
-                <a:cs typeface="Times New Roman" panose="02020603050405020304"/>
-              </a:rPr>
-              <a:t>driven</a:t>
-            </a:r>
-            <a:r>
-              <a:rPr sz="2800" spc="-60" dirty="0">
-                <a:latin typeface="Times New Roman" panose="02020603050405020304"/>
-                <a:cs typeface="Times New Roman" panose="02020603050405020304"/>
-              </a:rPr>
-              <a:t> </a:t>
-            </a:r>
-            <a:r>
-              <a:rPr sz="2800" dirty="0">
-                <a:latin typeface="Times New Roman" panose="02020603050405020304"/>
-                <a:cs typeface="Times New Roman" panose="02020603050405020304"/>
-              </a:rPr>
-              <a:t>insights</a:t>
-            </a:r>
-            <a:r>
-              <a:rPr sz="2800" spc="-55" dirty="0">
-                <a:latin typeface="Times New Roman" panose="02020603050405020304"/>
-                <a:cs typeface="Times New Roman" panose="02020603050405020304"/>
-              </a:rPr>
-              <a:t> </a:t>
-            </a:r>
-            <a:r>
-              <a:rPr sz="2800" dirty="0">
-                <a:latin typeface="Times New Roman" panose="02020603050405020304"/>
-                <a:cs typeface="Times New Roman" panose="02020603050405020304"/>
-              </a:rPr>
-              <a:t>for</a:t>
-            </a:r>
-            <a:r>
-              <a:rPr sz="2800" spc="-60" dirty="0">
-                <a:latin typeface="Times New Roman" panose="02020603050405020304"/>
-                <a:cs typeface="Times New Roman" panose="02020603050405020304"/>
-              </a:rPr>
-              <a:t> </a:t>
-            </a:r>
-            <a:r>
-              <a:rPr sz="2800" dirty="0">
-                <a:latin typeface="Times New Roman" panose="02020603050405020304"/>
-                <a:cs typeface="Times New Roman" panose="02020603050405020304"/>
-              </a:rPr>
-              <a:t>better</a:t>
-            </a:r>
-            <a:r>
-              <a:rPr sz="2800" spc="-35" dirty="0">
-                <a:latin typeface="Times New Roman" panose="02020603050405020304"/>
-                <a:cs typeface="Times New Roman" panose="02020603050405020304"/>
-              </a:rPr>
-              <a:t> </a:t>
-            </a:r>
-            <a:r>
-              <a:rPr sz="2800" spc="-10" dirty="0">
-                <a:latin typeface="Times New Roman" panose="02020603050405020304"/>
-                <a:cs typeface="Times New Roman" panose="02020603050405020304"/>
-              </a:rPr>
-              <a:t>decision-making.</a:t>
-            </a:r>
-            <a:endParaRPr sz="2800">
-              <a:latin typeface="Times New Roman" panose="02020603050405020304"/>
-              <a:cs typeface="Times New Roman" panose="02020603050405020304"/>
-            </a:endParaRPr>
-          </a:p>
-        </p:txBody>
-      </p:sp>
-    </p:spTree>
-  </p:cSld>
-  <p:clrMapOvr>
-    <a:masterClrMapping/>
-  </p:clrMapOvr>
-</p:sld>
-</file>
-
-<file path=ppt/slides/slide14.xml><?xml version="1.0" encoding="utf-8"?>
-<p:sld xmlns:a="http://schemas.openxmlformats.org/drawingml/2006/main" xmlns:r="http://schemas.openxmlformats.org/officeDocument/2006/relationships" xmlns:p="http://schemas.openxmlformats.org/presentationml/2006/main">
-  <p:cSld>
-    <p:spTree>
-      <p:nvGrpSpPr>
-        <p:cNvPr id="1" name=""/>
-        <p:cNvGrpSpPr/>
-        <p:nvPr/>
-      </p:nvGrpSpPr>
-      <p:grpSpPr>
-        <a:xfrm>
-          <a:off x="0" y="0"/>
-          <a:ext cx="0" cy="0"/>
-          <a:chOff x="0" y="0"/>
-          <a:chExt cx="0" cy="0"/>
-        </a:xfrm>
-      </p:grpSpPr>
-      <p:sp>
-        <p:nvSpPr>
-          <p:cNvPr id="2" name="Title 1"/>
-          <p:cNvSpPr>
-            <a:spLocks noGrp="1"/>
-          </p:cNvSpPr>
-          <p:nvPr>
-            <p:ph type="title"/>
-          </p:nvPr>
-        </p:nvSpPr>
-        <p:spPr/>
-        <p:txBody>
-          <a:bodyPr/>
-          <a:lstStyle/>
-          <a:p>
-            <a:r>
-              <a:rPr lang="en-IN" dirty="0"/>
-              <a:t>Conclusion</a:t>
-            </a:r>
-          </a:p>
-        </p:txBody>
-      </p:sp>
-      <p:sp>
-        <p:nvSpPr>
-          <p:cNvPr id="3" name="Content Placeholder 2"/>
-          <p:cNvSpPr>
-            <a:spLocks noGrp="1"/>
-          </p:cNvSpPr>
-          <p:nvPr>
-            <p:ph idx="1"/>
-          </p:nvPr>
-        </p:nvSpPr>
-        <p:spPr/>
-        <p:txBody>
-          <a:bodyPr/>
-          <a:lstStyle/>
-          <a:p>
-            <a:r>
-              <a:rPr lang="en-US" altLang="en-US" sz="2400" dirty="0">
-                <a:latin typeface="Times New Roman" panose="02020603050405020304" pitchFamily="18" charset="0"/>
-                <a:cs typeface="Times New Roman" panose="02020603050405020304" pitchFamily="18" charset="0"/>
-              </a:rPr>
-              <a:t>In conclusion, the backend of our AI-based fashion design system is the core that supports all essential functionalities, from managing user data and garment catalogs to facilitating virtual try-ons. By leveraging a powerful database solution , integrating advanced AI models like </a:t>
-            </a:r>
-            <a:r>
-              <a:rPr lang="en-US" altLang="en-US" sz="2400" dirty="0">
-                <a:solidFill>
-                  <a:schemeClr val="accent3">
-                    <a:lumMod val="40000"/>
-                    <a:lumOff val="60000"/>
-                  </a:schemeClr>
-                </a:solidFill>
-                <a:latin typeface="Times New Roman" panose="02020603050405020304" pitchFamily="18" charset="0"/>
-                <a:cs typeface="Times New Roman" panose="02020603050405020304" pitchFamily="18" charset="0"/>
-              </a:rPr>
-              <a:t>StyleGAN2, an</a:t>
-            </a:r>
-            <a:r>
-              <a:rPr lang="en-IN" altLang="en-US" sz="2400" dirty="0">
-                <a:solidFill>
-                  <a:schemeClr val="accent3">
-                    <a:lumMod val="40000"/>
-                    <a:lumOff val="60000"/>
-                  </a:schemeClr>
-                </a:solidFill>
-                <a:latin typeface="Times New Roman" panose="02020603050405020304" pitchFamily="18" charset="0"/>
-                <a:cs typeface="Times New Roman" panose="02020603050405020304" pitchFamily="18" charset="0"/>
-              </a:rPr>
-              <a:t>d VITON</a:t>
-            </a:r>
-            <a:r>
-              <a:rPr lang="en-US" altLang="en-US" sz="2400" dirty="0">
-                <a:latin typeface="Times New Roman" panose="02020603050405020304" pitchFamily="18" charset="0"/>
-                <a:cs typeface="Times New Roman" panose="02020603050405020304" pitchFamily="18" charset="0"/>
-              </a:rPr>
-              <a:t>, we ensure a scalable, responsive, and efficient system. This architecture allows users to effortlessly create, try, and personalize fashion designs, delivering an innovative and engaging experience.</a:t>
-            </a:r>
-            <a:endParaRPr lang="en-US" sz="2400" dirty="0">
-              <a:latin typeface="Times New Roman" panose="02020603050405020304" pitchFamily="18" charset="0"/>
-              <a:cs typeface="Times New Roman" panose="02020603050405020304" pitchFamily="18" charset="0"/>
-            </a:endParaRPr>
-          </a:p>
-          <a:p>
-            <a:endParaRPr lang="en-IN" dirty="0"/>
+            <a:endParaRPr spc="-10" dirty="0"/>
           </a:p>
         </p:txBody>
       </p:sp>
@@ -10378,510 +10162,6 @@
         </p:nvSpPr>
         <p:spPr>
           <a:xfrm>
-            <a:off x="1547875" y="367283"/>
-            <a:ext cx="3773170" cy="697230"/>
-          </a:xfrm>
-          <a:prstGeom prst="rect">
-            <a:avLst/>
-          </a:prstGeom>
-        </p:spPr>
-        <p:txBody>
-          <a:bodyPr vert="horz" wrap="square" lIns="0" tIns="13335" rIns="0" bIns="0" rtlCol="0">
-            <a:spAutoFit/>
-          </a:bodyPr>
-          <a:lstStyle/>
-          <a:p>
-            <a:pPr marL="12700">
-              <a:lnSpc>
-                <a:spcPct val="100000"/>
-              </a:lnSpc>
-              <a:spcBef>
-                <a:spcPts val="105"/>
-              </a:spcBef>
-            </a:pPr>
-            <a:r>
-              <a:rPr spc="-10" dirty="0"/>
-              <a:t>REFERENCES</a:t>
-            </a:r>
-          </a:p>
-        </p:txBody>
-      </p:sp>
-      <p:sp>
-        <p:nvSpPr>
-          <p:cNvPr id="3" name="object 3"/>
-          <p:cNvSpPr txBox="1">
-            <a:spLocks noGrp="1"/>
-          </p:cNvSpPr>
-          <p:nvPr>
-            <p:ph idx="1"/>
-          </p:nvPr>
-        </p:nvSpPr>
-        <p:spPr>
-          <a:xfrm>
-            <a:off x="1295400" y="1371600"/>
-            <a:ext cx="12725400" cy="6760504"/>
-          </a:xfrm>
-          <a:prstGeom prst="rect">
-            <a:avLst/>
-          </a:prstGeom>
-        </p:spPr>
-        <p:txBody>
-          <a:bodyPr vert="horz" wrap="square" lIns="0" tIns="14604" rIns="0" bIns="0" rtlCol="0">
-            <a:spAutoFit/>
-          </a:bodyPr>
-          <a:lstStyle/>
-          <a:p>
-            <a:pPr marL="12700" marR="164465" indent="-4445">
-              <a:lnSpc>
-                <a:spcPct val="99000"/>
-              </a:lnSpc>
-              <a:spcBef>
-                <a:spcPts val="115"/>
-              </a:spcBef>
-              <a:buSzPct val="96000"/>
-              <a:buAutoNum type="arabicPeriod"/>
-              <a:tabLst>
-                <a:tab pos="239395" algn="l"/>
-              </a:tabLst>
-            </a:pPr>
-            <a:r>
-              <a:rPr dirty="0"/>
-              <a:t>	</a:t>
-            </a:r>
-            <a:r>
-              <a:rPr lang="en-IN" dirty="0"/>
-              <a:t>Revolutionizing Style: Artificial Intelligence (AI) Applications in Fashion Design G.K. Indu, C. </a:t>
-            </a:r>
-            <a:r>
-              <a:rPr lang="en-IN" dirty="0" err="1"/>
-              <a:t>Kayalvizhi</a:t>
-            </a:r>
-            <a:r>
-              <a:rPr lang="en-IN" dirty="0"/>
-              <a:t>, J. </a:t>
-            </a:r>
-            <a:r>
-              <a:rPr lang="en-IN" dirty="0" err="1"/>
-              <a:t>Hayavadana</a:t>
-            </a:r>
-            <a:r>
-              <a:rPr lang="en-IN" dirty="0"/>
-              <a:t>, Taruna </a:t>
-            </a:r>
-            <a:r>
-              <a:rPr lang="en-IN" dirty="0" err="1"/>
-              <a:t>Rajpurohit</a:t>
-            </a:r>
-            <a:r>
-              <a:rPr lang="en-IN" dirty="0"/>
-              <a:t>, S. </a:t>
-            </a:r>
-            <a:r>
-              <a:rPr lang="en-IN" dirty="0" err="1"/>
-              <a:t>Priyalatha</a:t>
-            </a:r>
-            <a:r>
-              <a:rPr lang="en-IN" dirty="0"/>
-              <a:t>, R. Priyanka </a:t>
-            </a:r>
-          </a:p>
-          <a:p>
-            <a:pPr marL="8255" marR="164465" indent="0">
-              <a:lnSpc>
-                <a:spcPct val="99000"/>
-              </a:lnSpc>
-              <a:spcBef>
-                <a:spcPts val="115"/>
-              </a:spcBef>
-              <a:buSzPct val="96000"/>
-              <a:buNone/>
-              <a:tabLst>
-                <a:tab pos="239395" algn="l"/>
-              </a:tabLst>
-            </a:pPr>
-            <a:r>
-              <a:rPr lang="en-IN" dirty="0">
-                <a:hlinkClick r:id="rId2"/>
-              </a:rPr>
-              <a:t>https://www.afjbs.com/uploads/paper/5dcd47a637ee5fa1cd6b83f9a4edf804.pdf</a:t>
-            </a:r>
-            <a:endParaRPr lang="en-IN" dirty="0"/>
-          </a:p>
-          <a:p>
-            <a:pPr marL="8255" marR="164465" indent="0">
-              <a:lnSpc>
-                <a:spcPct val="99000"/>
-              </a:lnSpc>
-              <a:spcBef>
-                <a:spcPts val="115"/>
-              </a:spcBef>
-              <a:buSzPct val="96000"/>
-              <a:buNone/>
-              <a:tabLst>
-                <a:tab pos="239395" algn="l"/>
-              </a:tabLst>
-            </a:pPr>
-            <a:endParaRPr lang="en-IN" dirty="0"/>
-          </a:p>
-          <a:p>
-            <a:pPr marL="8255" marR="164465" indent="0">
-              <a:lnSpc>
-                <a:spcPct val="99000"/>
-              </a:lnSpc>
-              <a:spcBef>
-                <a:spcPts val="115"/>
-              </a:spcBef>
-              <a:buSzPct val="96000"/>
-              <a:buNone/>
-              <a:tabLst>
-                <a:tab pos="239395" algn="l"/>
-              </a:tabLst>
-            </a:pPr>
-            <a:endParaRPr spc="-10" dirty="0"/>
-          </a:p>
-          <a:p>
-            <a:pPr marL="8255" marR="5080" indent="0">
-              <a:lnSpc>
-                <a:spcPts val="2870"/>
-              </a:lnSpc>
-              <a:buSzPct val="96000"/>
-              <a:buNone/>
-              <a:tabLst>
-                <a:tab pos="239395" algn="l"/>
-              </a:tabLst>
-            </a:pPr>
-            <a:r>
-              <a:rPr lang="en-IN" spc="-25" dirty="0"/>
-              <a:t>2.  </a:t>
-            </a:r>
-            <a:r>
-              <a:rPr spc="-25" dirty="0"/>
-              <a:t>AI</a:t>
-            </a:r>
-            <a:r>
-              <a:rPr spc="-155" dirty="0"/>
-              <a:t> </a:t>
-            </a:r>
-            <a:r>
-              <a:rPr spc="-10" dirty="0"/>
-              <a:t>Assisted</a:t>
-            </a:r>
-            <a:r>
-              <a:rPr spc="-145" dirty="0"/>
-              <a:t> </a:t>
-            </a:r>
-            <a:r>
-              <a:rPr dirty="0"/>
-              <a:t>Fashion</a:t>
-            </a:r>
-            <a:r>
-              <a:rPr spc="-120" dirty="0"/>
-              <a:t> </a:t>
-            </a:r>
-            <a:r>
-              <a:rPr spc="-10" dirty="0"/>
-              <a:t>Design:A</a:t>
-            </a:r>
-            <a:r>
-              <a:rPr spc="-150" dirty="0"/>
-              <a:t> </a:t>
-            </a:r>
-            <a:r>
-              <a:rPr dirty="0"/>
-              <a:t>review,Ziyue</a:t>
-            </a:r>
-            <a:r>
-              <a:rPr spc="-90" dirty="0"/>
-              <a:t> </a:t>
-            </a:r>
-            <a:r>
-              <a:rPr dirty="0"/>
-              <a:t>Guo,Zongyang</a:t>
-            </a:r>
-            <a:r>
-              <a:rPr spc="-85" dirty="0"/>
-              <a:t> </a:t>
-            </a:r>
-            <a:r>
-              <a:rPr dirty="0"/>
-              <a:t>Zhu,Yizhi</a:t>
-            </a:r>
-            <a:r>
-              <a:rPr spc="-80" dirty="0"/>
-              <a:t> </a:t>
-            </a:r>
-            <a:r>
-              <a:rPr dirty="0"/>
-              <a:t>Li,Shidong</a:t>
-            </a:r>
-            <a:r>
-              <a:rPr spc="-85" dirty="0"/>
-              <a:t> </a:t>
-            </a:r>
-            <a:r>
-              <a:rPr spc="-10" dirty="0"/>
-              <a:t>Cao,Hanggyue </a:t>
-            </a:r>
-            <a:r>
-              <a:rPr dirty="0"/>
-              <a:t>Chen,Gaoang</a:t>
-            </a:r>
-            <a:r>
-              <a:rPr spc="-35" dirty="0"/>
-              <a:t> </a:t>
-            </a:r>
-            <a:r>
-              <a:rPr dirty="0"/>
-              <a:t>Wang,IEEE</a:t>
-            </a:r>
-            <a:r>
-              <a:rPr spc="-35" dirty="0"/>
-              <a:t> </a:t>
-            </a:r>
-            <a:r>
-              <a:rPr spc="-10" dirty="0"/>
-              <a:t>Access,2023</a:t>
-            </a:r>
-          </a:p>
-          <a:p>
-            <a:pPr marL="8255" marR="2050415" indent="0">
-              <a:lnSpc>
-                <a:spcPts val="2870"/>
-              </a:lnSpc>
-              <a:buSzPct val="96000"/>
-              <a:buNone/>
-              <a:tabLst>
-                <a:tab pos="239395" algn="l"/>
-              </a:tabLst>
-            </a:pPr>
-            <a:r>
-              <a:rPr lang="en-IN" spc="-10" dirty="0">
-                <a:hlinkClick r:id="rId3"/>
-              </a:rPr>
-              <a:t>https://www.researchgate.net/publication/373205261_AI_Assisted_Fashion_Design_A_Review</a:t>
-            </a:r>
-            <a:endParaRPr lang="en-IN" spc="-10" dirty="0"/>
-          </a:p>
-          <a:p>
-            <a:pPr marL="8255" marR="2050415" indent="0">
-              <a:lnSpc>
-                <a:spcPts val="2870"/>
-              </a:lnSpc>
-              <a:buSzPct val="96000"/>
-              <a:buNone/>
-              <a:tabLst>
-                <a:tab pos="239395" algn="l"/>
-              </a:tabLst>
-            </a:pPr>
-            <a:endParaRPr lang="en-IN" spc="-10" dirty="0"/>
-          </a:p>
-          <a:p>
-            <a:pPr marL="8255" marR="2050415" indent="0">
-              <a:lnSpc>
-                <a:spcPts val="2870"/>
-              </a:lnSpc>
-              <a:buSzPct val="96000"/>
-              <a:buNone/>
-              <a:tabLst>
-                <a:tab pos="239395" algn="l"/>
-              </a:tabLst>
-            </a:pPr>
-            <a:r>
-              <a:rPr lang="en-IN" spc="-10" dirty="0"/>
-              <a:t>3.</a:t>
-            </a:r>
-            <a:r>
-              <a:rPr dirty="0"/>
-              <a:t>	Study</a:t>
-            </a:r>
-            <a:r>
-              <a:rPr spc="-95" dirty="0"/>
-              <a:t> </a:t>
-            </a:r>
-            <a:r>
-              <a:rPr spc="-10" dirty="0"/>
-              <a:t>of</a:t>
-            </a:r>
-            <a:r>
-              <a:rPr spc="-155" dirty="0"/>
-              <a:t> </a:t>
-            </a:r>
-            <a:r>
-              <a:rPr dirty="0"/>
-              <a:t>AI</a:t>
-            </a:r>
-            <a:r>
-              <a:rPr spc="-55" dirty="0"/>
-              <a:t> </a:t>
-            </a:r>
-            <a:r>
-              <a:rPr dirty="0"/>
-              <a:t>driven</a:t>
-            </a:r>
-            <a:r>
-              <a:rPr spc="-65" dirty="0"/>
-              <a:t> </a:t>
-            </a:r>
-            <a:r>
-              <a:rPr dirty="0"/>
-              <a:t>Fashion</a:t>
-            </a:r>
-            <a:r>
-              <a:rPr spc="-65" dirty="0"/>
-              <a:t> </a:t>
-            </a:r>
-            <a:r>
-              <a:rPr dirty="0"/>
-              <a:t>Recommender</a:t>
-            </a:r>
-            <a:r>
-              <a:rPr spc="-65" dirty="0"/>
-              <a:t> </a:t>
-            </a:r>
-            <a:r>
-              <a:rPr dirty="0"/>
-              <a:t>System,Shaghayeg</a:t>
-            </a:r>
-            <a:r>
-              <a:rPr spc="-65" dirty="0"/>
-              <a:t> </a:t>
-            </a:r>
-            <a:r>
-              <a:rPr spc="-10" dirty="0"/>
-              <a:t>Shirkhani,Hamam </a:t>
-            </a:r>
-            <a:r>
-              <a:rPr dirty="0"/>
-              <a:t>Mokayed,Rajkumar</a:t>
-            </a:r>
-            <a:r>
-              <a:rPr spc="-30" dirty="0"/>
-              <a:t> </a:t>
-            </a:r>
-            <a:r>
-              <a:rPr dirty="0"/>
-              <a:t>Saini,</a:t>
-            </a:r>
-            <a:r>
-              <a:rPr spc="-35" dirty="0"/>
-              <a:t> </a:t>
-            </a:r>
-            <a:r>
-              <a:rPr dirty="0"/>
-              <a:t>Hum</a:t>
-            </a:r>
-            <a:r>
-              <a:rPr spc="-25" dirty="0"/>
-              <a:t> </a:t>
-            </a:r>
-            <a:r>
-              <a:rPr dirty="0"/>
-              <a:t>Yan</a:t>
-            </a:r>
-            <a:r>
-              <a:rPr spc="-35" dirty="0"/>
-              <a:t> </a:t>
-            </a:r>
-            <a:r>
-              <a:rPr spc="-10" dirty="0"/>
-              <a:t>Chai,2023</a:t>
-            </a:r>
-          </a:p>
-          <a:p>
-            <a:pPr marL="0" indent="0">
-              <a:lnSpc>
-                <a:spcPct val="100000"/>
-              </a:lnSpc>
-              <a:spcBef>
-                <a:spcPts val="135"/>
-              </a:spcBef>
-              <a:buNone/>
-            </a:pPr>
-            <a:r>
-              <a:rPr lang="en-IN" spc="-10">
-                <a:hlinkClick r:id="rId4"/>
-              </a:rPr>
-              <a:t>https://link.springer.com/article/10.1007/s42979-023-01932-9</a:t>
-            </a:r>
-            <a:endParaRPr lang="en-IN" spc="-10"/>
-          </a:p>
-          <a:p>
-            <a:pPr marL="0" indent="0">
-              <a:lnSpc>
-                <a:spcPct val="100000"/>
-              </a:lnSpc>
-              <a:spcBef>
-                <a:spcPts val="135"/>
-              </a:spcBef>
-              <a:buNone/>
-            </a:pPr>
-            <a:endParaRPr spc="-10" dirty="0"/>
-          </a:p>
-          <a:p>
-            <a:pPr>
-              <a:lnSpc>
-                <a:spcPct val="100000"/>
-              </a:lnSpc>
-              <a:spcBef>
-                <a:spcPts val="150"/>
-              </a:spcBef>
-              <a:buFont typeface="Times New Roman" panose="02020603050405020304"/>
-              <a:buAutoNum type="arabicPeriod"/>
-            </a:pPr>
-            <a:endParaRPr spc="-10" dirty="0"/>
-          </a:p>
-          <a:p>
-            <a:pPr marL="6985" marR="154305" indent="0">
-              <a:lnSpc>
-                <a:spcPts val="2860"/>
-              </a:lnSpc>
-              <a:buSzPct val="96000"/>
-              <a:buNone/>
-              <a:tabLst>
-                <a:tab pos="238760" algn="l"/>
-              </a:tabLst>
-            </a:pPr>
-            <a:endParaRPr spc="-10" dirty="0"/>
-          </a:p>
-        </p:txBody>
-      </p:sp>
-    </p:spTree>
-  </p:cSld>
-  <p:clrMapOvr>
-    <a:masterClrMapping/>
-  </p:clrMapOvr>
-</p:sld>
-</file>
-
-<file path=ppt/slides/slide16.xml><?xml version="1.0" encoding="utf-8"?>
-<p:sld xmlns:a="http://schemas.openxmlformats.org/drawingml/2006/main" xmlns:r="http://schemas.openxmlformats.org/officeDocument/2006/relationships" xmlns:p="http://schemas.openxmlformats.org/presentationml/2006/main" showMasterSp="0">
-  <p:cSld>
-    <p:spTree>
-      <p:nvGrpSpPr>
-        <p:cNvPr id="1" name=""/>
-        <p:cNvGrpSpPr/>
-        <p:nvPr/>
-      </p:nvGrpSpPr>
-      <p:grpSpPr>
-        <a:xfrm>
-          <a:off x="0" y="0"/>
-          <a:ext cx="0" cy="0"/>
-          <a:chOff x="0" y="0"/>
-          <a:chExt cx="0" cy="0"/>
-        </a:xfrm>
-      </p:grpSpPr>
-      <p:sp>
-        <p:nvSpPr>
-          <p:cNvPr id="2" name="object 2"/>
-          <p:cNvSpPr txBox="1">
-            <a:spLocks noGrp="1"/>
-          </p:cNvSpPr>
-          <p:nvPr>
-            <p:ph type="title"/>
-          </p:nvPr>
-        </p:nvSpPr>
-        <p:spPr>
-          <a:xfrm>
             <a:off x="5783059" y="3474834"/>
             <a:ext cx="3035300" cy="574040"/>
           </a:xfrm>
@@ -10977,6 +10257,7 @@
               <a:rPr spc="-10" dirty="0"/>
               <a:t>INTRODUCTION</a:t>
             </a:r>
+            <a:endParaRPr spc="-10" dirty="0"/>
           </a:p>
         </p:txBody>
       </p:sp>
@@ -11641,6 +10922,7 @@
               <a:rPr spc="-10" dirty="0"/>
               <a:t>STATEMENT</a:t>
             </a:r>
+            <a:endParaRPr spc="-10" dirty="0"/>
           </a:p>
         </p:txBody>
       </p:sp>
@@ -12505,6 +11787,7 @@
               <a:rPr spc="-10" dirty="0"/>
               <a:t>SOLUTIONS</a:t>
             </a:r>
+            <a:endParaRPr spc="-10" dirty="0"/>
           </a:p>
         </p:txBody>
       </p:sp>
@@ -12517,7 +11800,7 @@
         <p:spPr>
           <a:xfrm>
             <a:off x="732536" y="1808467"/>
-            <a:ext cx="11094720" cy="3903633"/>
+            <a:ext cx="11094720" cy="4319270"/>
           </a:xfrm>
           <a:prstGeom prst="rect">
             <a:avLst/>
@@ -12718,17 +12001,18 @@
               <a:t> </a:t>
             </a:r>
             <a:r>
-              <a:rPr sz="2800" b="1" dirty="0">
-                <a:solidFill>
-                  <a:schemeClr val="accent3">
-                    <a:lumMod val="40000"/>
-                    <a:lumOff val="60000"/>
-                  </a:schemeClr>
-                </a:solidFill>
-                <a:latin typeface="Times New Roman" panose="02020603050405020304"/>
-                <a:cs typeface="Times New Roman" panose="02020603050405020304"/>
-              </a:rPr>
-              <a:t>StyleGAN2</a:t>
+              <a:rPr lang="en-IN" sz="2800" spc="-70" dirty="0">
+                <a:latin typeface="Times New Roman" panose="02020603050405020304"/>
+                <a:cs typeface="Times New Roman" panose="02020603050405020304"/>
+              </a:rPr>
+              <a:t>pre-trained </a:t>
+            </a:r>
+            <a:r>
+              <a:rPr lang="en-IN" sz="2800" b="1" spc="-70" dirty="0">
+                <a:latin typeface="Times New Roman" panose="02020603050405020304"/>
+                <a:cs typeface="Times New Roman" panose="02020603050405020304"/>
+              </a:rPr>
+              <a:t>diffusion model</a:t>
             </a:r>
             <a:r>
               <a:rPr sz="2800" b="1" spc="-50" dirty="0">
@@ -13542,6 +12826,7 @@
               <a:rPr lang="en-IN" dirty="0"/>
               <a:t>Related Works</a:t>
             </a:r>
+            <a:endParaRPr lang="en-IN" dirty="0"/>
           </a:p>
         </p:txBody>
       </p:sp>
@@ -13556,7 +12841,7 @@
           </p:nvPr>
         </p:nvPicPr>
         <p:blipFill>
-          <a:blip r:embed="rId2">
+          <a:blip r:embed="rId1">
             <a:extLst>
               <a:ext uri="{28A0092B-C50C-407E-A947-70E740481C1C}">
                 <a14:useLocalDpi xmlns:a14="http://schemas.microsoft.com/office/drawing/2010/main" val="0"/>
@@ -13621,6 +12906,10 @@
               </a:rPr>
               <a:t>Gaps identified</a:t>
             </a:r>
+            <a:endParaRPr lang="en-IN" dirty="0">
+              <a:latin typeface="Times New Roman" panose="02020603050405020304" pitchFamily="18" charset="0"/>
+              <a:cs typeface="Times New Roman" panose="02020603050405020304" pitchFamily="18" charset="0"/>
+            </a:endParaRPr>
           </a:p>
         </p:txBody>
       </p:sp>
@@ -13653,6 +12942,10 @@
               </a:rPr>
               <a:t>Lack of a virtual try on feature</a:t>
             </a:r>
+            <a:endParaRPr lang="en-IN" altLang="en-US" sz="2400" dirty="0">
+              <a:latin typeface="Times New Roman" panose="02020603050405020304" pitchFamily="18" charset="0"/>
+              <a:cs typeface="Times New Roman" panose="02020603050405020304" pitchFamily="18" charset="0"/>
+            </a:endParaRPr>
           </a:p>
           <a:p>
             <a:pPr marL="571500" indent="-571500">
@@ -13669,6 +12962,10 @@
               </a:rPr>
               <a:t>Limited collaboration with creators</a:t>
             </a:r>
+            <a:endParaRPr lang="en-IN" altLang="en-US" sz="2400" dirty="0">
+              <a:latin typeface="Times New Roman" panose="02020603050405020304" pitchFamily="18" charset="0"/>
+              <a:cs typeface="Times New Roman" panose="02020603050405020304" pitchFamily="18" charset="0"/>
+            </a:endParaRPr>
           </a:p>
           <a:p>
             <a:pPr marL="571500" indent="-571500">
@@ -13685,6 +12982,10 @@
               </a:rPr>
               <a:t>Limited dataset</a:t>
             </a:r>
+            <a:endParaRPr lang="en-IN" altLang="en-US" sz="2400" dirty="0">
+              <a:latin typeface="Times New Roman" panose="02020603050405020304" pitchFamily="18" charset="0"/>
+              <a:cs typeface="Times New Roman" panose="02020603050405020304" pitchFamily="18" charset="0"/>
+            </a:endParaRPr>
           </a:p>
           <a:p>
             <a:endParaRPr lang="en-IN" dirty="0"/>
@@ -13729,7 +13030,7 @@
         <p:spPr>
           <a:xfrm>
             <a:off x="1143001" y="381001"/>
-            <a:ext cx="12344400" cy="8552960"/>
+            <a:ext cx="12344400" cy="7399655"/>
           </a:xfrm>
           <a:prstGeom prst="rect">
             <a:avLst/>
@@ -13831,7 +13132,7 @@
                 <a:latin typeface="Times New Roman" panose="02020603050405020304" pitchFamily="18" charset="0"/>
                 <a:cs typeface="Times New Roman" panose="02020603050405020304" pitchFamily="18" charset="0"/>
               </a:rPr>
-              <a:t>Model Training: Train StyleGAN2 .</a:t>
+              <a:t>Model Training</a:t>
             </a:r>
             <a:br>
               <a:rPr lang="en-US" altLang="en-US" sz="2800" dirty="0">
@@ -13890,21 +13191,7 @@
                 <a:latin typeface="Times New Roman" panose="02020603050405020304" pitchFamily="18" charset="0"/>
                 <a:cs typeface="Times New Roman" panose="02020603050405020304" pitchFamily="18" charset="0"/>
               </a:rPr>
-              <a:t>(python </a:t>
-            </a:r>
-            <a:r>
-              <a:rPr lang="en-IN" altLang="en-US" sz="2800" dirty="0" err="1">
-                <a:latin typeface="Times New Roman" panose="02020603050405020304" pitchFamily="18" charset="0"/>
-                <a:cs typeface="Times New Roman" panose="02020603050405020304" pitchFamily="18" charset="0"/>
-              </a:rPr>
-              <a:t>tkinter</a:t>
-            </a:r>
-            <a:r>
-              <a:rPr lang="en-IN" altLang="en-US" sz="2800" dirty="0">
-                <a:latin typeface="Times New Roman" panose="02020603050405020304" pitchFamily="18" charset="0"/>
-                <a:cs typeface="Times New Roman" panose="02020603050405020304" pitchFamily="18" charset="0"/>
-              </a:rPr>
-              <a:t>).</a:t>
+              <a:t>(gradio).</a:t>
             </a:r>
             <a:br>
               <a:rPr lang="en-IN" altLang="en-US" sz="2800" dirty="0">
@@ -13924,32 +13211,6 @@
                 <a:cs typeface="Times New Roman" panose="02020603050405020304" pitchFamily="18" charset="0"/>
               </a:rPr>
               <a:t>6.Virtual try on Implementation(VITON)</a:t>
-            </a:r>
-            <a:br>
-              <a:rPr lang="en-IN" altLang="en-US" sz="2800" dirty="0">
-                <a:latin typeface="Times New Roman" panose="02020603050405020304" pitchFamily="18" charset="0"/>
-                <a:cs typeface="Times New Roman" panose="02020603050405020304" pitchFamily="18" charset="0"/>
-              </a:rPr>
-            </a:br>
-            <a:br>
-              <a:rPr lang="en-US" altLang="en-US" sz="2800" dirty="0">
-                <a:latin typeface="Times New Roman" panose="02020603050405020304" pitchFamily="18" charset="0"/>
-                <a:cs typeface="Times New Roman" panose="02020603050405020304" pitchFamily="18" charset="0"/>
-              </a:rPr>
-            </a:br>
-            <a:r>
-              <a:rPr lang="en-IN" altLang="en-US" sz="2800" dirty="0">
-                <a:latin typeface="Times New Roman" panose="02020603050405020304" pitchFamily="18" charset="0"/>
-                <a:cs typeface="Times New Roman" panose="02020603050405020304" pitchFamily="18" charset="0"/>
-              </a:rPr>
-              <a:t>6.</a:t>
-            </a:r>
-            <a:r>
-              <a:rPr lang="en-US" altLang="en-US" sz="2800" dirty="0">
-                <a:latin typeface="Times New Roman" panose="02020603050405020304" pitchFamily="18" charset="0"/>
-                <a:cs typeface="Times New Roman" panose="02020603050405020304" pitchFamily="18" charset="0"/>
-              </a:rPr>
-              <a:t>Feedback Integration: Refine model with user feedback.</a:t>
             </a:r>
             <a:br>
               <a:rPr lang="en-US" altLang="en-US" sz="2800" dirty="0">
@@ -14033,7 +13294,7 @@
           </p:nvPr>
         </p:nvPicPr>
         <p:blipFill>
-          <a:blip r:embed="rId2">
+          <a:blip r:embed="rId1">
             <a:extLst>
               <a:ext uri="{28A0092B-C50C-407E-A947-70E740481C1C}">
                 <a14:useLocalDpi xmlns:a14="http://schemas.microsoft.com/office/drawing/2010/main" val="0"/>
@@ -14098,6 +13359,10 @@
               </a:rPr>
               <a:t>Tools and Technologies</a:t>
             </a:r>
+            <a:endParaRPr lang="en-IN" sz="5400" dirty="0">
+              <a:latin typeface="Times New Roman" panose="02020603050405020304" pitchFamily="18" charset="0"/>
+              <a:cs typeface="Times New Roman" panose="02020603050405020304" pitchFamily="18" charset="0"/>
+            </a:endParaRPr>
           </a:p>
         </p:txBody>
       </p:sp>
@@ -14121,63 +13386,6 @@
           <a:bodyPr/>
           <a:lstStyle/>
           <a:p>
-            <a:pPr marL="457200" indent="-457200">
-              <a:buFont typeface="Arial" panose="020B0604020202020204" pitchFamily="34" charset="0"/>
-              <a:buChar char="•"/>
-            </a:pPr>
-            <a:r>
-              <a:rPr lang="en-IN" altLang="en-US" sz="3200" dirty="0">
-                <a:latin typeface="Times New Roman" panose="02020603050405020304" pitchFamily="18" charset="0"/>
-                <a:cs typeface="Times New Roman" panose="02020603050405020304" pitchFamily="18" charset="0"/>
-              </a:rPr>
-              <a:t>Dataset:</a:t>
-            </a:r>
-          </a:p>
-          <a:p>
-            <a:pPr marL="457200" indent="-457200">
-              <a:buFont typeface="Arial" panose="020B0604020202020204" pitchFamily="34" charset="0"/>
-              <a:buChar char="•"/>
-            </a:pPr>
-            <a:endParaRPr lang="en-IN" altLang="en-US" sz="2800" dirty="0"/>
-          </a:p>
-          <a:p>
-            <a:pPr marL="0" indent="0">
-              <a:buFont typeface="Arial" panose="020B0604020202020204" pitchFamily="34" charset="0"/>
-              <a:buNone/>
-            </a:pPr>
-            <a:r>
-              <a:rPr lang="en-IN" altLang="en-US" sz="2800" dirty="0"/>
-              <a:t>    </a:t>
-            </a:r>
-            <a:r>
-              <a:rPr lang="en-IN" altLang="en-US" sz="2400" dirty="0" err="1">
-                <a:latin typeface="Times New Roman" panose="02020603050405020304" pitchFamily="18" charset="0"/>
-                <a:cs typeface="Times New Roman" panose="02020603050405020304" pitchFamily="18" charset="0"/>
-              </a:rPr>
-              <a:t>Indofashion</a:t>
-            </a:r>
-            <a:r>
-              <a:rPr lang="en-IN" altLang="en-US" sz="2400" dirty="0">
-                <a:latin typeface="Times New Roman" panose="02020603050405020304" pitchFamily="18" charset="0"/>
-                <a:cs typeface="Times New Roman" panose="02020603050405020304" pitchFamily="18" charset="0"/>
-              </a:rPr>
-              <a:t> dataset(Kaggle):106k images and 15 categories of </a:t>
-            </a:r>
-          </a:p>
-          <a:p>
-            <a:pPr marL="0" indent="0">
-              <a:buFont typeface="Arial" panose="020B0604020202020204" pitchFamily="34" charset="0"/>
-              <a:buNone/>
-            </a:pPr>
-            <a:r>
-              <a:rPr lang="en-IN" altLang="en-US" sz="2400" dirty="0">
-                <a:latin typeface="Times New Roman" panose="02020603050405020304" pitchFamily="18" charset="0"/>
-                <a:cs typeface="Times New Roman" panose="02020603050405020304" pitchFamily="18" charset="0"/>
-              </a:rPr>
-              <a:t>     dresses,500 samples for each category</a:t>
-            </a:r>
-          </a:p>
-          <a:p>
             <a:pPr marL="0" indent="0">
               <a:buFont typeface="Arial" panose="020B0604020202020204" pitchFamily="34" charset="0"/>
               <a:buNone/>
@@ -14199,6 +13407,10 @@
               </a:rPr>
               <a:t>Algorithms:</a:t>
             </a:r>
+            <a:endParaRPr lang="en-IN" altLang="en-US" sz="3200" dirty="0">
+              <a:latin typeface="Times New Roman" panose="02020603050405020304" pitchFamily="18" charset="0"/>
+              <a:cs typeface="Times New Roman" panose="02020603050405020304" pitchFamily="18" charset="0"/>
+            </a:endParaRPr>
           </a:p>
           <a:p>
             <a:pPr marL="0" indent="0">
@@ -14210,8 +13422,12 @@
                 <a:latin typeface="Times New Roman" panose="02020603050405020304" pitchFamily="18" charset="0"/>
                 <a:cs typeface="Times New Roman" panose="02020603050405020304" pitchFamily="18" charset="0"/>
               </a:rPr>
-              <a:t>      STYLEGAN2</a:t>
-            </a:r>
+              <a:t>      DIFFUSION</a:t>
+            </a:r>
+            <a:endParaRPr lang="en-IN" altLang="en-US" sz="2400" dirty="0">
+              <a:latin typeface="Times New Roman" panose="02020603050405020304" pitchFamily="18" charset="0"/>
+              <a:cs typeface="Times New Roman" panose="02020603050405020304" pitchFamily="18" charset="0"/>
+            </a:endParaRPr>
           </a:p>
           <a:p>
             <a:pPr marL="0" indent="0">
@@ -14225,6 +13441,20 @@
               </a:rPr>
               <a:t>      VITON</a:t>
             </a:r>
+            <a:endParaRPr lang="en-IN" altLang="en-US" sz="2400" dirty="0">
+              <a:latin typeface="Times New Roman" panose="02020603050405020304" pitchFamily="18" charset="0"/>
+              <a:cs typeface="Times New Roman" panose="02020603050405020304" pitchFamily="18" charset="0"/>
+            </a:endParaRPr>
+          </a:p>
+          <a:p>
+            <a:pPr marL="0" indent="0">
+              <a:buFont typeface="Arial" panose="020B0604020202020204" pitchFamily="34" charset="0"/>
+              <a:buNone/>
+            </a:pPr>
+            <a:endParaRPr lang="en-IN" altLang="en-US" sz="2400" dirty="0">
+              <a:latin typeface="Times New Roman" panose="02020603050405020304" pitchFamily="18" charset="0"/>
+              <a:cs typeface="Times New Roman" panose="02020603050405020304" pitchFamily="18" charset="0"/>
+            </a:endParaRPr>
           </a:p>
           <a:p>
             <a:r>
@@ -14232,8 +13462,12 @@
                 <a:latin typeface="Times New Roman" panose="02020603050405020304" pitchFamily="18" charset="0"/>
                 <a:cs typeface="Times New Roman" panose="02020603050405020304" pitchFamily="18" charset="0"/>
               </a:rPr>
-              <a:t>Front-end:Python tkinter</a:t>
-            </a:r>
+              <a:t>Front-end:gradio</a:t>
+            </a:r>
+            <a:endParaRPr lang="en-IN" dirty="0">
+              <a:latin typeface="Times New Roman" panose="02020603050405020304" pitchFamily="18" charset="0"/>
+              <a:cs typeface="Times New Roman" panose="02020603050405020304" pitchFamily="18" charset="0"/>
+            </a:endParaRPr>
           </a:p>
         </p:txBody>
       </p:sp>
@@ -14503,8 +13737,6 @@
       </a:bgFillStyleLst>
     </a:fmtScheme>
   </a:themeElements>
-  <a:objectDefaults/>
-  <a:extraClrSchemeLst/>
   <a:extLst>
     <a:ext uri="{05A4C25C-085E-4340-85A3-A5531E510DB2}">
       <thm15:themeFamily xmlns:thm15="http://schemas.microsoft.com/office/thememl/2012/main" name="Office Theme" id="{62F939B6-93AF-4DB8-9C6B-D6C7DFDC589F}" vid="{4A3C46E8-61CC-4603-A589-7422A47A8E4A}"/>
